--- a/1-2/CB1501010/Introduction to Electrical and Electronic Engineering/010/EE_ch6_Variable-frequency Network.pptx
+++ b/1-2/CB1501010/Introduction to Electrical and Electronic Engineering/010/EE_ch6_Variable-frequency Network.pptx
@@ -444,6 +444,11 @@
         </p:txBody>
       </p:sp>
     </p:spTree>
+    <p:extLst>
+      <p:ext uri="{BB962C8B-B14F-4D97-AF65-F5344CB8AC3E}">
+        <p14:creationId xmlns:p14="http://schemas.microsoft.com/office/powerpoint/2010/main" val="1"/>
+      </p:ext>
+    </p:extLst>
   </p:cSld>
   <p:clrMap bg1="lt1" tx1="dk1" bg2="lt2" tx2="dk2" accent1="accent1" accent2="accent2" accent3="accent3" accent4="accent4" accent5="accent5" accent6="accent6" hlink="hlink" folHlink="folHlink"/>
 </p:handoutMaster>
@@ -647,35 +652,35 @@
           <a:p>
             <a:pPr lvl="0"/>
             <a:r>
-              <a:rPr lang="ko-KR" altLang="en-US" noProof="0" smtClean="0"/>
+              <a:rPr lang="ko-KR" altLang="en-US" noProof="0"/>
               <a:t>마스터 텍스트 스타일을 편집합니다</a:t>
             </a:r>
           </a:p>
           <a:p>
             <a:pPr lvl="1"/>
             <a:r>
-              <a:rPr lang="ko-KR" altLang="en-US" noProof="0" smtClean="0"/>
+              <a:rPr lang="ko-KR" altLang="en-US" noProof="0"/>
               <a:t>둘째 수준</a:t>
             </a:r>
           </a:p>
           <a:p>
             <a:pPr lvl="2"/>
             <a:r>
-              <a:rPr lang="ko-KR" altLang="en-US" noProof="0" smtClean="0"/>
+              <a:rPr lang="ko-KR" altLang="en-US" noProof="0"/>
               <a:t>셋째 수준</a:t>
             </a:r>
           </a:p>
           <a:p>
             <a:pPr lvl="3"/>
             <a:r>
-              <a:rPr lang="ko-KR" altLang="en-US" noProof="0" smtClean="0"/>
+              <a:rPr lang="ko-KR" altLang="en-US" noProof="0"/>
               <a:t>넷째 수준</a:t>
             </a:r>
           </a:p>
           <a:p>
             <a:pPr lvl="4"/>
             <a:r>
-              <a:rPr lang="ko-KR" altLang="en-US" noProof="0" smtClean="0"/>
+              <a:rPr lang="ko-KR" altLang="en-US" noProof="0"/>
               <a:t>다섯째 수준</a:t>
             </a:r>
           </a:p>
@@ -1079,7 +1084,7 @@
             <a:pPr eaLnBrk="1" latinLnBrk="1" hangingPunct="1">
               <a:defRPr/>
             </a:pPr>
-            <a:endParaRPr lang="ko-KR" altLang="ko-KR" sz="1800" smtClean="0">
+            <a:endParaRPr lang="ko-KR" altLang="ko-KR" sz="1800">
               <a:solidFill>
                 <a:schemeClr val="bg1"/>
               </a:solidFill>
@@ -1404,14 +1409,14 @@
               <a:defRPr/>
             </a:pPr>
             <a:r>
-              <a:rPr lang="en-US" altLang="ko-KR" sz="1600" i="1" smtClean="0">
+              <a:rPr lang="en-US" altLang="ko-KR" sz="1600" i="1">
                 <a:solidFill>
                   <a:schemeClr val="bg1"/>
                 </a:solidFill>
               </a:rPr>
               <a:t>Pusan National University </a:t>
             </a:r>
-            <a:endParaRPr lang="en-US" altLang="ko-KR" sz="1000" smtClean="0">
+            <a:endParaRPr lang="en-US" altLang="ko-KR" sz="1000">
               <a:solidFill>
                 <a:schemeClr val="bg1"/>
               </a:solidFill>
@@ -1898,7 +1903,7 @@
               <a:defRPr/>
             </a:pPr>
             <a:r>
-              <a:rPr lang="en-US" altLang="ko-KR" sz="3400" i="1" smtClean="0">
+              <a:rPr lang="en-US" altLang="ko-KR" sz="3400" i="1">
                 <a:solidFill>
                   <a:srgbClr val="99CC00"/>
                 </a:solidFill>
@@ -2065,7 +2070,7 @@
               <a:defRPr/>
             </a:pPr>
             <a:r>
-              <a:rPr lang="en-US" altLang="ko-KR" sz="4600" i="1" smtClean="0">
+              <a:rPr lang="en-US" altLang="ko-KR" sz="4600" i="1">
                 <a:latin typeface="Arial Black" pitchFamily="34" charset="0"/>
               </a:rPr>
               <a:t>PNU</a:t>
@@ -2229,7 +2234,7 @@
               <a:defRPr/>
             </a:pPr>
             <a:r>
-              <a:rPr lang="en-US" altLang="ko-KR" sz="1600" i="1" smtClean="0">
+              <a:rPr lang="en-US" altLang="ko-KR" sz="1600" i="1">
                 <a:solidFill>
                   <a:schemeClr val="bg2"/>
                 </a:solidFill>
@@ -2238,7 +2243,7 @@
               <a:t> </a:t>
             </a:r>
             <a:r>
-              <a:rPr lang="ko-KR" altLang="en-US" sz="1600" i="1" smtClean="0">
+              <a:rPr lang="ko-KR" altLang="en-US" sz="1600" i="1">
                 <a:solidFill>
                   <a:schemeClr val="bg2"/>
                 </a:solidFill>
@@ -2362,7 +2367,18 @@
   <p:clrMapOvr>
     <a:masterClrMapping/>
   </p:clrMapOvr>
-  <p:transition spd="med"/>
+  <mc:AlternateContent xmlns:mc="http://schemas.openxmlformats.org/markup-compatibility/2006">
+    <mc:Choice xmlns:p159="http://schemas.microsoft.com/office/powerpoint/2015/09/main" Requires="p159">
+      <p:transition>
+        <p159:morph option="byChar"/>
+      </p:transition>
+    </mc:Choice>
+    <mc:Fallback>
+      <p:transition>
+        <p:fade/>
+      </p:transition>
+    </mc:Fallback>
+  </mc:AlternateContent>
 </p:sldLayout>
 </file>
 
@@ -2404,10 +2420,9 @@
           <a:lstStyle/>
           <a:p>
             <a:r>
-              <a:rPr lang="ko-KR" altLang="en-US" smtClean="0"/>
+              <a:rPr lang="ko-KR" altLang="en-US"/>
               <a:t>마스터 제목 스타일 편집</a:t>
             </a:r>
-            <a:endParaRPr lang="ko-KR" altLang="en-US"/>
           </a:p>
         </p:txBody>
       </p:sp>
@@ -2433,38 +2448,37 @@
           <a:p>
             <a:pPr lvl="0"/>
             <a:r>
-              <a:rPr lang="ko-KR" altLang="en-US" smtClean="0"/>
+              <a:rPr lang="ko-KR" altLang="en-US"/>
               <a:t>마스터 텍스트 스타일을 편집합니다</a:t>
             </a:r>
           </a:p>
           <a:p>
             <a:pPr lvl="1"/>
             <a:r>
-              <a:rPr lang="ko-KR" altLang="en-US" smtClean="0"/>
+              <a:rPr lang="ko-KR" altLang="en-US"/>
               <a:t>둘째 수준</a:t>
             </a:r>
           </a:p>
           <a:p>
             <a:pPr lvl="2"/>
             <a:r>
-              <a:rPr lang="ko-KR" altLang="en-US" smtClean="0"/>
+              <a:rPr lang="ko-KR" altLang="en-US"/>
               <a:t>셋째 수준</a:t>
             </a:r>
           </a:p>
           <a:p>
             <a:pPr lvl="3"/>
             <a:r>
-              <a:rPr lang="ko-KR" altLang="en-US" smtClean="0"/>
+              <a:rPr lang="ko-KR" altLang="en-US"/>
               <a:t>넷째 수준</a:t>
             </a:r>
           </a:p>
           <a:p>
             <a:pPr lvl="4"/>
             <a:r>
-              <a:rPr lang="ko-KR" altLang="en-US" smtClean="0"/>
+              <a:rPr lang="ko-KR" altLang="en-US"/>
               <a:t>다섯째 수준</a:t>
             </a:r>
-            <a:endParaRPr lang="ko-KR" altLang="en-US"/>
           </a:p>
         </p:txBody>
       </p:sp>
@@ -2478,7 +2492,18 @@
   <p:clrMapOvr>
     <a:masterClrMapping/>
   </p:clrMapOvr>
-  <p:transition spd="med"/>
+  <mc:AlternateContent xmlns:mc="http://schemas.openxmlformats.org/markup-compatibility/2006">
+    <mc:Choice xmlns:p159="http://schemas.microsoft.com/office/powerpoint/2015/09/main" Requires="p159">
+      <p:transition>
+        <p159:morph option="byChar"/>
+      </p:transition>
+    </mc:Choice>
+    <mc:Fallback>
+      <p:transition>
+        <p:fade/>
+      </p:transition>
+    </mc:Fallback>
+  </mc:AlternateContent>
 </p:sldLayout>
 </file>
 
@@ -2520,10 +2545,9 @@
           <a:lstStyle/>
           <a:p>
             <a:r>
-              <a:rPr lang="ko-KR" altLang="en-US" smtClean="0"/>
+              <a:rPr lang="ko-KR" altLang="en-US"/>
               <a:t>마스터 제목 스타일 편집</a:t>
             </a:r>
-            <a:endParaRPr lang="ko-KR" altLang="en-US"/>
           </a:p>
         </p:txBody>
       </p:sp>
@@ -2549,38 +2573,37 @@
           <a:p>
             <a:pPr lvl="0"/>
             <a:r>
-              <a:rPr lang="ko-KR" altLang="en-US" smtClean="0"/>
+              <a:rPr lang="ko-KR" altLang="en-US"/>
               <a:t>마스터 텍스트 스타일을 편집합니다</a:t>
             </a:r>
           </a:p>
           <a:p>
             <a:pPr lvl="1"/>
             <a:r>
-              <a:rPr lang="ko-KR" altLang="en-US" smtClean="0"/>
+              <a:rPr lang="ko-KR" altLang="en-US"/>
               <a:t>둘째 수준</a:t>
             </a:r>
           </a:p>
           <a:p>
             <a:pPr lvl="2"/>
             <a:r>
-              <a:rPr lang="ko-KR" altLang="en-US" smtClean="0"/>
+              <a:rPr lang="ko-KR" altLang="en-US"/>
               <a:t>셋째 수준</a:t>
             </a:r>
           </a:p>
           <a:p>
             <a:pPr lvl="3"/>
             <a:r>
-              <a:rPr lang="ko-KR" altLang="en-US" smtClean="0"/>
+              <a:rPr lang="ko-KR" altLang="en-US"/>
               <a:t>넷째 수준</a:t>
             </a:r>
           </a:p>
           <a:p>
             <a:pPr lvl="4"/>
             <a:r>
-              <a:rPr lang="ko-KR" altLang="en-US" smtClean="0"/>
+              <a:rPr lang="ko-KR" altLang="en-US"/>
               <a:t>다섯째 수준</a:t>
             </a:r>
-            <a:endParaRPr lang="ko-KR" altLang="en-US"/>
           </a:p>
         </p:txBody>
       </p:sp>
@@ -2606,38 +2629,37 @@
           <a:p>
             <a:pPr lvl="0"/>
             <a:r>
-              <a:rPr lang="ko-KR" altLang="en-US" smtClean="0"/>
+              <a:rPr lang="ko-KR" altLang="en-US"/>
               <a:t>마스터 텍스트 스타일을 편집합니다</a:t>
             </a:r>
           </a:p>
           <a:p>
             <a:pPr lvl="1"/>
             <a:r>
-              <a:rPr lang="ko-KR" altLang="en-US" smtClean="0"/>
+              <a:rPr lang="ko-KR" altLang="en-US"/>
               <a:t>둘째 수준</a:t>
             </a:r>
           </a:p>
           <a:p>
             <a:pPr lvl="2"/>
             <a:r>
-              <a:rPr lang="ko-KR" altLang="en-US" smtClean="0"/>
+              <a:rPr lang="ko-KR" altLang="en-US"/>
               <a:t>셋째 수준</a:t>
             </a:r>
           </a:p>
           <a:p>
             <a:pPr lvl="3"/>
             <a:r>
-              <a:rPr lang="ko-KR" altLang="en-US" smtClean="0"/>
+              <a:rPr lang="ko-KR" altLang="en-US"/>
               <a:t>넷째 수준</a:t>
             </a:r>
           </a:p>
           <a:p>
             <a:pPr lvl="4"/>
             <a:r>
-              <a:rPr lang="ko-KR" altLang="en-US" smtClean="0"/>
+              <a:rPr lang="ko-KR" altLang="en-US"/>
               <a:t>다섯째 수준</a:t>
             </a:r>
-            <a:endParaRPr lang="ko-KR" altLang="en-US"/>
           </a:p>
         </p:txBody>
       </p:sp>
@@ -2651,7 +2673,18 @@
   <p:clrMapOvr>
     <a:masterClrMapping/>
   </p:clrMapOvr>
-  <p:transition spd="med"/>
+  <mc:AlternateContent xmlns:mc="http://schemas.openxmlformats.org/markup-compatibility/2006">
+    <mc:Choice xmlns:p159="http://schemas.microsoft.com/office/powerpoint/2015/09/main" Requires="p159">
+      <p:transition>
+        <p159:morph option="byChar"/>
+      </p:transition>
+    </mc:Choice>
+    <mc:Fallback>
+      <p:transition>
+        <p:fade/>
+      </p:transition>
+    </mc:Fallback>
+  </mc:AlternateContent>
 </p:sldLayout>
 </file>
 
@@ -2693,10 +2726,9 @@
           <a:lstStyle/>
           <a:p>
             <a:r>
-              <a:rPr lang="ko-KR" altLang="en-US" smtClean="0"/>
+              <a:rPr lang="ko-KR" altLang="en-US"/>
               <a:t>마스터 제목 스타일 편집</a:t>
             </a:r>
-            <a:endParaRPr lang="ko-KR" altLang="en-US"/>
           </a:p>
         </p:txBody>
       </p:sp>
@@ -2722,38 +2754,37 @@
           <a:p>
             <a:pPr lvl="0"/>
             <a:r>
-              <a:rPr lang="ko-KR" altLang="en-US" smtClean="0"/>
+              <a:rPr lang="ko-KR" altLang="en-US"/>
               <a:t>마스터 텍스트 스타일을 편집합니다</a:t>
             </a:r>
           </a:p>
           <a:p>
             <a:pPr lvl="1"/>
             <a:r>
-              <a:rPr lang="ko-KR" altLang="en-US" smtClean="0"/>
+              <a:rPr lang="ko-KR" altLang="en-US"/>
               <a:t>둘째 수준</a:t>
             </a:r>
           </a:p>
           <a:p>
             <a:pPr lvl="2"/>
             <a:r>
-              <a:rPr lang="ko-KR" altLang="en-US" smtClean="0"/>
+              <a:rPr lang="ko-KR" altLang="en-US"/>
               <a:t>셋째 수준</a:t>
             </a:r>
           </a:p>
           <a:p>
             <a:pPr lvl="3"/>
             <a:r>
-              <a:rPr lang="ko-KR" altLang="en-US" smtClean="0"/>
+              <a:rPr lang="ko-KR" altLang="en-US"/>
               <a:t>넷째 수준</a:t>
             </a:r>
           </a:p>
           <a:p>
             <a:pPr lvl="4"/>
             <a:r>
-              <a:rPr lang="ko-KR" altLang="en-US" smtClean="0"/>
+              <a:rPr lang="ko-KR" altLang="en-US"/>
               <a:t>다섯째 수준</a:t>
             </a:r>
-            <a:endParaRPr lang="ko-KR" altLang="en-US"/>
           </a:p>
         </p:txBody>
       </p:sp>
@@ -2779,38 +2810,37 @@
           <a:p>
             <a:pPr lvl="0"/>
             <a:r>
-              <a:rPr lang="ko-KR" altLang="en-US" smtClean="0"/>
+              <a:rPr lang="ko-KR" altLang="en-US"/>
               <a:t>마스터 텍스트 스타일을 편집합니다</a:t>
             </a:r>
           </a:p>
           <a:p>
             <a:pPr lvl="1"/>
             <a:r>
-              <a:rPr lang="ko-KR" altLang="en-US" smtClean="0"/>
+              <a:rPr lang="ko-KR" altLang="en-US"/>
               <a:t>둘째 수준</a:t>
             </a:r>
           </a:p>
           <a:p>
             <a:pPr lvl="2"/>
             <a:r>
-              <a:rPr lang="ko-KR" altLang="en-US" smtClean="0"/>
+              <a:rPr lang="ko-KR" altLang="en-US"/>
               <a:t>셋째 수준</a:t>
             </a:r>
           </a:p>
           <a:p>
             <a:pPr lvl="3"/>
             <a:r>
-              <a:rPr lang="ko-KR" altLang="en-US" smtClean="0"/>
+              <a:rPr lang="ko-KR" altLang="en-US"/>
               <a:t>넷째 수준</a:t>
             </a:r>
           </a:p>
           <a:p>
             <a:pPr lvl="4"/>
             <a:r>
-              <a:rPr lang="ko-KR" altLang="en-US" smtClean="0"/>
+              <a:rPr lang="ko-KR" altLang="en-US"/>
               <a:t>다섯째 수준</a:t>
             </a:r>
-            <a:endParaRPr lang="ko-KR" altLang="en-US"/>
           </a:p>
         </p:txBody>
       </p:sp>
@@ -2836,38 +2866,37 @@
           <a:p>
             <a:pPr lvl="0"/>
             <a:r>
-              <a:rPr lang="ko-KR" altLang="en-US" smtClean="0"/>
+              <a:rPr lang="ko-KR" altLang="en-US"/>
               <a:t>마스터 텍스트 스타일을 편집합니다</a:t>
             </a:r>
           </a:p>
           <a:p>
             <a:pPr lvl="1"/>
             <a:r>
-              <a:rPr lang="ko-KR" altLang="en-US" smtClean="0"/>
+              <a:rPr lang="ko-KR" altLang="en-US"/>
               <a:t>둘째 수준</a:t>
             </a:r>
           </a:p>
           <a:p>
             <a:pPr lvl="2"/>
             <a:r>
-              <a:rPr lang="ko-KR" altLang="en-US" smtClean="0"/>
+              <a:rPr lang="ko-KR" altLang="en-US"/>
               <a:t>셋째 수준</a:t>
             </a:r>
           </a:p>
           <a:p>
             <a:pPr lvl="3"/>
             <a:r>
-              <a:rPr lang="ko-KR" altLang="en-US" smtClean="0"/>
+              <a:rPr lang="ko-KR" altLang="en-US"/>
               <a:t>넷째 수준</a:t>
             </a:r>
           </a:p>
           <a:p>
             <a:pPr lvl="4"/>
             <a:r>
-              <a:rPr lang="ko-KR" altLang="en-US" smtClean="0"/>
+              <a:rPr lang="ko-KR" altLang="en-US"/>
               <a:t>다섯째 수준</a:t>
             </a:r>
-            <a:endParaRPr lang="ko-KR" altLang="en-US"/>
           </a:p>
         </p:txBody>
       </p:sp>
@@ -2881,7 +2910,18 @@
   <p:clrMapOvr>
     <a:masterClrMapping/>
   </p:clrMapOvr>
-  <p:transition spd="med"/>
+  <mc:AlternateContent xmlns:mc="http://schemas.openxmlformats.org/markup-compatibility/2006">
+    <mc:Choice xmlns:p159="http://schemas.microsoft.com/office/powerpoint/2015/09/main" Requires="p159">
+      <p:transition>
+        <p159:morph option="byChar"/>
+      </p:transition>
+    </mc:Choice>
+    <mc:Fallback>
+      <p:transition>
+        <p:fade/>
+      </p:transition>
+    </mc:Fallback>
+  </mc:AlternateContent>
 </p:sldLayout>
 </file>
 
@@ -2923,10 +2963,9 @@
           <a:lstStyle/>
           <a:p>
             <a:r>
-              <a:rPr lang="ko-KR" altLang="en-US" smtClean="0"/>
+              <a:rPr lang="ko-KR" altLang="en-US"/>
               <a:t>마스터 제목 스타일 편집</a:t>
             </a:r>
-            <a:endParaRPr lang="ko-KR" altLang="en-US"/>
           </a:p>
         </p:txBody>
       </p:sp>
@@ -2988,10 +3027,9 @@
           </a:lstStyle>
           <a:p>
             <a:r>
-              <a:rPr lang="ko-KR" altLang="en-US" smtClean="0"/>
+              <a:rPr lang="ko-KR" altLang="en-US"/>
               <a:t>마스터 부제목 스타일 편집</a:t>
             </a:r>
-            <a:endParaRPr lang="ko-KR" altLang="en-US"/>
           </a:p>
         </p:txBody>
       </p:sp>
@@ -3005,7 +3043,18 @@
   <p:clrMapOvr>
     <a:masterClrMapping/>
   </p:clrMapOvr>
-  <p:transition spd="med"/>
+  <mc:AlternateContent xmlns:mc="http://schemas.openxmlformats.org/markup-compatibility/2006">
+    <mc:Choice xmlns:p159="http://schemas.microsoft.com/office/powerpoint/2015/09/main" Requires="p159">
+      <p:transition>
+        <p159:morph option="byChar"/>
+      </p:transition>
+    </mc:Choice>
+    <mc:Fallback>
+      <p:transition>
+        <p:fade/>
+      </p:transition>
+    </mc:Fallback>
+  </mc:AlternateContent>
 </p:sldLayout>
 </file>
 
@@ -3042,10 +3091,9 @@
           <a:lstStyle/>
           <a:p>
             <a:r>
-              <a:rPr lang="ko-KR" altLang="en-US" smtClean="0"/>
+              <a:rPr lang="ko-KR" altLang="en-US"/>
               <a:t>마스터 제목 스타일 편집</a:t>
             </a:r>
-            <a:endParaRPr lang="ko-KR" altLang="en-US"/>
           </a:p>
         </p:txBody>
       </p:sp>
@@ -3066,38 +3114,37 @@
           <a:p>
             <a:pPr lvl="0"/>
             <a:r>
-              <a:rPr lang="ko-KR" altLang="en-US" smtClean="0"/>
+              <a:rPr lang="ko-KR" altLang="en-US"/>
               <a:t>마스터 텍스트 스타일을 편집합니다</a:t>
             </a:r>
           </a:p>
           <a:p>
             <a:pPr lvl="1"/>
             <a:r>
-              <a:rPr lang="ko-KR" altLang="en-US" smtClean="0"/>
+              <a:rPr lang="ko-KR" altLang="en-US"/>
               <a:t>둘째 수준</a:t>
             </a:r>
           </a:p>
           <a:p>
             <a:pPr lvl="2"/>
             <a:r>
-              <a:rPr lang="ko-KR" altLang="en-US" smtClean="0"/>
+              <a:rPr lang="ko-KR" altLang="en-US"/>
               <a:t>셋째 수준</a:t>
             </a:r>
           </a:p>
           <a:p>
             <a:pPr lvl="3"/>
             <a:r>
-              <a:rPr lang="ko-KR" altLang="en-US" smtClean="0"/>
+              <a:rPr lang="ko-KR" altLang="en-US"/>
               <a:t>넷째 수준</a:t>
             </a:r>
           </a:p>
           <a:p>
             <a:pPr lvl="4"/>
             <a:r>
-              <a:rPr lang="ko-KR" altLang="en-US" smtClean="0"/>
+              <a:rPr lang="ko-KR" altLang="en-US"/>
               <a:t>다섯째 수준</a:t>
             </a:r>
-            <a:endParaRPr lang="ko-KR" altLang="en-US"/>
           </a:p>
         </p:txBody>
       </p:sp>
@@ -3111,7 +3158,18 @@
   <p:clrMapOvr>
     <a:masterClrMapping/>
   </p:clrMapOvr>
-  <p:transition spd="med"/>
+  <mc:AlternateContent xmlns:mc="http://schemas.openxmlformats.org/markup-compatibility/2006">
+    <mc:Choice xmlns:p159="http://schemas.microsoft.com/office/powerpoint/2015/09/main" Requires="p159">
+      <p:transition>
+        <p159:morph option="byChar"/>
+      </p:transition>
+    </mc:Choice>
+    <mc:Fallback>
+      <p:transition>
+        <p:fade/>
+      </p:transition>
+    </mc:Fallback>
+  </mc:AlternateContent>
 </p:sldLayout>
 </file>
 
@@ -3157,10 +3215,9 @@
           </a:lstStyle>
           <a:p>
             <a:r>
-              <a:rPr lang="ko-KR" altLang="en-US" smtClean="0"/>
+              <a:rPr lang="ko-KR" altLang="en-US"/>
               <a:t>마스터 제목 스타일 편집</a:t>
             </a:r>
-            <a:endParaRPr lang="ko-KR" altLang="en-US"/>
           </a:p>
         </p:txBody>
       </p:sp>
@@ -3223,7 +3280,7 @@
           <a:p>
             <a:pPr lvl="0"/>
             <a:r>
-              <a:rPr lang="ko-KR" altLang="en-US" smtClean="0"/>
+              <a:rPr lang="ko-KR" altLang="en-US"/>
               <a:t>마스터 텍스트 스타일을 편집합니다</a:t>
             </a:r>
           </a:p>
@@ -3239,7 +3296,18 @@
   <p:clrMapOvr>
     <a:masterClrMapping/>
   </p:clrMapOvr>
-  <p:transition spd="med"/>
+  <mc:AlternateContent xmlns:mc="http://schemas.openxmlformats.org/markup-compatibility/2006">
+    <mc:Choice xmlns:p159="http://schemas.microsoft.com/office/powerpoint/2015/09/main" Requires="p159">
+      <p:transition>
+        <p159:morph option="byChar"/>
+      </p:transition>
+    </mc:Choice>
+    <mc:Fallback>
+      <p:transition>
+        <p:fade/>
+      </p:transition>
+    </mc:Fallback>
+  </mc:AlternateContent>
 </p:sldLayout>
 </file>
 
@@ -3276,10 +3344,9 @@
           <a:lstStyle/>
           <a:p>
             <a:r>
-              <a:rPr lang="ko-KR" altLang="en-US" smtClean="0"/>
+              <a:rPr lang="ko-KR" altLang="en-US"/>
               <a:t>마스터 제목 스타일 편집</a:t>
             </a:r>
-            <a:endParaRPr lang="ko-KR" altLang="en-US"/>
           </a:p>
         </p:txBody>
       </p:sp>
@@ -3333,38 +3400,37 @@
           <a:p>
             <a:pPr lvl="0"/>
             <a:r>
-              <a:rPr lang="ko-KR" altLang="en-US" smtClean="0"/>
+              <a:rPr lang="ko-KR" altLang="en-US"/>
               <a:t>마스터 텍스트 스타일을 편집합니다</a:t>
             </a:r>
           </a:p>
           <a:p>
             <a:pPr lvl="1"/>
             <a:r>
-              <a:rPr lang="ko-KR" altLang="en-US" smtClean="0"/>
+              <a:rPr lang="ko-KR" altLang="en-US"/>
               <a:t>둘째 수준</a:t>
             </a:r>
           </a:p>
           <a:p>
             <a:pPr lvl="2"/>
             <a:r>
-              <a:rPr lang="ko-KR" altLang="en-US" smtClean="0"/>
+              <a:rPr lang="ko-KR" altLang="en-US"/>
               <a:t>셋째 수준</a:t>
             </a:r>
           </a:p>
           <a:p>
             <a:pPr lvl="3"/>
             <a:r>
-              <a:rPr lang="ko-KR" altLang="en-US" smtClean="0"/>
+              <a:rPr lang="ko-KR" altLang="en-US"/>
               <a:t>넷째 수준</a:t>
             </a:r>
           </a:p>
           <a:p>
             <a:pPr lvl="4"/>
             <a:r>
-              <a:rPr lang="ko-KR" altLang="en-US" smtClean="0"/>
+              <a:rPr lang="ko-KR" altLang="en-US"/>
               <a:t>다섯째 수준</a:t>
             </a:r>
-            <a:endParaRPr lang="ko-KR" altLang="en-US"/>
           </a:p>
         </p:txBody>
       </p:sp>
@@ -3418,38 +3484,37 @@
           <a:p>
             <a:pPr lvl="0"/>
             <a:r>
-              <a:rPr lang="ko-KR" altLang="en-US" smtClean="0"/>
+              <a:rPr lang="ko-KR" altLang="en-US"/>
               <a:t>마스터 텍스트 스타일을 편집합니다</a:t>
             </a:r>
           </a:p>
           <a:p>
             <a:pPr lvl="1"/>
             <a:r>
-              <a:rPr lang="ko-KR" altLang="en-US" smtClean="0"/>
+              <a:rPr lang="ko-KR" altLang="en-US"/>
               <a:t>둘째 수준</a:t>
             </a:r>
           </a:p>
           <a:p>
             <a:pPr lvl="2"/>
             <a:r>
-              <a:rPr lang="ko-KR" altLang="en-US" smtClean="0"/>
+              <a:rPr lang="ko-KR" altLang="en-US"/>
               <a:t>셋째 수준</a:t>
             </a:r>
           </a:p>
           <a:p>
             <a:pPr lvl="3"/>
             <a:r>
-              <a:rPr lang="ko-KR" altLang="en-US" smtClean="0"/>
+              <a:rPr lang="ko-KR" altLang="en-US"/>
               <a:t>넷째 수준</a:t>
             </a:r>
           </a:p>
           <a:p>
             <a:pPr lvl="4"/>
             <a:r>
-              <a:rPr lang="ko-KR" altLang="en-US" smtClean="0"/>
+              <a:rPr lang="ko-KR" altLang="en-US"/>
               <a:t>다섯째 수준</a:t>
             </a:r>
-            <a:endParaRPr lang="ko-KR" altLang="en-US"/>
           </a:p>
         </p:txBody>
       </p:sp>
@@ -3463,7 +3528,18 @@
   <p:clrMapOvr>
     <a:masterClrMapping/>
   </p:clrMapOvr>
-  <p:transition spd="med"/>
+  <mc:AlternateContent xmlns:mc="http://schemas.openxmlformats.org/markup-compatibility/2006">
+    <mc:Choice xmlns:p159="http://schemas.microsoft.com/office/powerpoint/2015/09/main" Requires="p159">
+      <p:transition>
+        <p159:morph option="byChar"/>
+      </p:transition>
+    </mc:Choice>
+    <mc:Fallback>
+      <p:transition>
+        <p:fade/>
+      </p:transition>
+    </mc:Fallback>
+  </mc:AlternateContent>
 </p:sldLayout>
 </file>
 
@@ -3509,10 +3585,9 @@
           </a:lstStyle>
           <a:p>
             <a:r>
-              <a:rPr lang="ko-KR" altLang="en-US" smtClean="0"/>
+              <a:rPr lang="ko-KR" altLang="en-US"/>
               <a:t>마스터 제목 스타일 편집</a:t>
             </a:r>
-            <a:endParaRPr lang="ko-KR" altLang="en-US"/>
           </a:p>
         </p:txBody>
       </p:sp>
@@ -3575,7 +3650,7 @@
           <a:p>
             <a:pPr lvl="0"/>
             <a:r>
-              <a:rPr lang="ko-KR" altLang="en-US" smtClean="0"/>
+              <a:rPr lang="ko-KR" altLang="en-US"/>
               <a:t>마스터 텍스트 스타일을 편집합니다</a:t>
             </a:r>
           </a:p>
@@ -3631,38 +3706,37 @@
           <a:p>
             <a:pPr lvl="0"/>
             <a:r>
-              <a:rPr lang="ko-KR" altLang="en-US" smtClean="0"/>
+              <a:rPr lang="ko-KR" altLang="en-US"/>
               <a:t>마스터 텍스트 스타일을 편집합니다</a:t>
             </a:r>
           </a:p>
           <a:p>
             <a:pPr lvl="1"/>
             <a:r>
-              <a:rPr lang="ko-KR" altLang="en-US" smtClean="0"/>
+              <a:rPr lang="ko-KR" altLang="en-US"/>
               <a:t>둘째 수준</a:t>
             </a:r>
           </a:p>
           <a:p>
             <a:pPr lvl="2"/>
             <a:r>
-              <a:rPr lang="ko-KR" altLang="en-US" smtClean="0"/>
+              <a:rPr lang="ko-KR" altLang="en-US"/>
               <a:t>셋째 수준</a:t>
             </a:r>
           </a:p>
           <a:p>
             <a:pPr lvl="3"/>
             <a:r>
-              <a:rPr lang="ko-KR" altLang="en-US" smtClean="0"/>
+              <a:rPr lang="ko-KR" altLang="en-US"/>
               <a:t>넷째 수준</a:t>
             </a:r>
           </a:p>
           <a:p>
             <a:pPr lvl="4"/>
             <a:r>
-              <a:rPr lang="ko-KR" altLang="en-US" smtClean="0"/>
+              <a:rPr lang="ko-KR" altLang="en-US"/>
               <a:t>다섯째 수준</a:t>
             </a:r>
-            <a:endParaRPr lang="ko-KR" altLang="en-US"/>
           </a:p>
         </p:txBody>
       </p:sp>
@@ -3725,7 +3799,7 @@
           <a:p>
             <a:pPr lvl="0"/>
             <a:r>
-              <a:rPr lang="ko-KR" altLang="en-US" smtClean="0"/>
+              <a:rPr lang="ko-KR" altLang="en-US"/>
               <a:t>마스터 텍스트 스타일을 편집합니다</a:t>
             </a:r>
           </a:p>
@@ -3781,38 +3855,37 @@
           <a:p>
             <a:pPr lvl="0"/>
             <a:r>
-              <a:rPr lang="ko-KR" altLang="en-US" smtClean="0"/>
+              <a:rPr lang="ko-KR" altLang="en-US"/>
               <a:t>마스터 텍스트 스타일을 편집합니다</a:t>
             </a:r>
           </a:p>
           <a:p>
             <a:pPr lvl="1"/>
             <a:r>
-              <a:rPr lang="ko-KR" altLang="en-US" smtClean="0"/>
+              <a:rPr lang="ko-KR" altLang="en-US"/>
               <a:t>둘째 수준</a:t>
             </a:r>
           </a:p>
           <a:p>
             <a:pPr lvl="2"/>
             <a:r>
-              <a:rPr lang="ko-KR" altLang="en-US" smtClean="0"/>
+              <a:rPr lang="ko-KR" altLang="en-US"/>
               <a:t>셋째 수준</a:t>
             </a:r>
           </a:p>
           <a:p>
             <a:pPr lvl="3"/>
             <a:r>
-              <a:rPr lang="ko-KR" altLang="en-US" smtClean="0"/>
+              <a:rPr lang="ko-KR" altLang="en-US"/>
               <a:t>넷째 수준</a:t>
             </a:r>
           </a:p>
           <a:p>
             <a:pPr lvl="4"/>
             <a:r>
-              <a:rPr lang="ko-KR" altLang="en-US" smtClean="0"/>
+              <a:rPr lang="ko-KR" altLang="en-US"/>
               <a:t>다섯째 수준</a:t>
             </a:r>
-            <a:endParaRPr lang="ko-KR" altLang="en-US"/>
           </a:p>
         </p:txBody>
       </p:sp>
@@ -3826,7 +3899,18 @@
   <p:clrMapOvr>
     <a:masterClrMapping/>
   </p:clrMapOvr>
-  <p:transition spd="med"/>
+  <mc:AlternateContent xmlns:mc="http://schemas.openxmlformats.org/markup-compatibility/2006">
+    <mc:Choice xmlns:p159="http://schemas.microsoft.com/office/powerpoint/2015/09/main" Requires="p159">
+      <p:transition>
+        <p159:morph option="byChar"/>
+      </p:transition>
+    </mc:Choice>
+    <mc:Fallback>
+      <p:transition>
+        <p:fade/>
+      </p:transition>
+    </mc:Fallback>
+  </mc:AlternateContent>
 </p:sldLayout>
 </file>
 
@@ -3863,10 +3947,9 @@
           <a:lstStyle/>
           <a:p>
             <a:r>
-              <a:rPr lang="ko-KR" altLang="en-US" smtClean="0"/>
+              <a:rPr lang="ko-KR" altLang="en-US"/>
               <a:t>마스터 제목 스타일 편집</a:t>
             </a:r>
-            <a:endParaRPr lang="ko-KR" altLang="en-US"/>
           </a:p>
         </p:txBody>
       </p:sp>
@@ -3880,7 +3963,18 @@
   <p:clrMapOvr>
     <a:masterClrMapping/>
   </p:clrMapOvr>
-  <p:transition spd="med"/>
+  <mc:AlternateContent xmlns:mc="http://schemas.openxmlformats.org/markup-compatibility/2006">
+    <mc:Choice xmlns:p159="http://schemas.microsoft.com/office/powerpoint/2015/09/main" Requires="p159">
+      <p:transition>
+        <p159:morph option="byChar"/>
+      </p:transition>
+    </mc:Choice>
+    <mc:Fallback>
+      <p:transition>
+        <p:fade/>
+      </p:transition>
+    </mc:Fallback>
+  </mc:AlternateContent>
 </p:sldLayout>
 </file>
 
@@ -3911,7 +4005,18 @@
   <p:clrMapOvr>
     <a:masterClrMapping/>
   </p:clrMapOvr>
-  <p:transition spd="med"/>
+  <mc:AlternateContent xmlns:mc="http://schemas.openxmlformats.org/markup-compatibility/2006">
+    <mc:Choice xmlns:p159="http://schemas.microsoft.com/office/powerpoint/2015/09/main" Requires="p159">
+      <p:transition>
+        <p159:morph option="byChar"/>
+      </p:transition>
+    </mc:Choice>
+    <mc:Fallback>
+      <p:transition>
+        <p:fade/>
+      </p:transition>
+    </mc:Fallback>
+  </mc:AlternateContent>
 </p:sldLayout>
 </file>
 
@@ -3988,10 +4093,9 @@
           </a:lstStyle>
           <a:p>
             <a:r>
-              <a:rPr lang="ko-KR" altLang="en-US" smtClean="0"/>
+              <a:rPr lang="ko-KR" altLang="en-US"/>
               <a:t>마스터 제목 스타일 편집</a:t>
             </a:r>
-            <a:endParaRPr lang="ko-KR" altLang="en-US"/>
           </a:p>
         </p:txBody>
       </p:sp>
@@ -4048,38 +4152,37 @@
           <a:p>
             <a:pPr lvl="0"/>
             <a:r>
-              <a:rPr lang="ko-KR" altLang="en-US" dirty="0" smtClean="0"/>
+              <a:rPr lang="ko-KR" altLang="en-US" dirty="0"/>
               <a:t>마스터 텍스트 스타일을 편집합니다</a:t>
             </a:r>
           </a:p>
           <a:p>
             <a:pPr lvl="1"/>
             <a:r>
-              <a:rPr lang="ko-KR" altLang="en-US" dirty="0" smtClean="0"/>
+              <a:rPr lang="ko-KR" altLang="en-US" dirty="0"/>
               <a:t>둘째 수준</a:t>
             </a:r>
           </a:p>
           <a:p>
             <a:pPr lvl="2"/>
             <a:r>
-              <a:rPr lang="ko-KR" altLang="en-US" dirty="0" smtClean="0"/>
+              <a:rPr lang="ko-KR" altLang="en-US" dirty="0"/>
               <a:t>셋째 수준</a:t>
             </a:r>
           </a:p>
           <a:p>
             <a:pPr lvl="3"/>
             <a:r>
-              <a:rPr lang="ko-KR" altLang="en-US" dirty="0" smtClean="0"/>
+              <a:rPr lang="ko-KR" altLang="en-US" dirty="0"/>
               <a:t>넷째 수준</a:t>
             </a:r>
           </a:p>
           <a:p>
             <a:pPr lvl="4"/>
             <a:r>
-              <a:rPr lang="ko-KR" altLang="en-US" dirty="0" smtClean="0"/>
+              <a:rPr lang="ko-KR" altLang="en-US" dirty="0"/>
               <a:t>다섯째 수준</a:t>
             </a:r>
-            <a:endParaRPr lang="ko-KR" altLang="en-US" dirty="0"/>
           </a:p>
         </p:txBody>
       </p:sp>
@@ -4093,7 +4196,18 @@
   <p:clrMapOvr>
     <a:masterClrMapping/>
   </p:clrMapOvr>
-  <p:transition spd="med"/>
+  <mc:AlternateContent xmlns:mc="http://schemas.openxmlformats.org/markup-compatibility/2006">
+    <mc:Choice xmlns:p159="http://schemas.microsoft.com/office/powerpoint/2015/09/main" Requires="p159">
+      <p:transition>
+        <p159:morph option="byChar"/>
+      </p:transition>
+    </mc:Choice>
+    <mc:Fallback>
+      <p:transition>
+        <p:fade/>
+      </p:transition>
+    </mc:Fallback>
+  </mc:AlternateContent>
 </p:sldLayout>
 </file>
 
@@ -4139,10 +4253,9 @@
           </a:lstStyle>
           <a:p>
             <a:r>
-              <a:rPr lang="ko-KR" altLang="en-US" smtClean="0"/>
+              <a:rPr lang="ko-KR" altLang="en-US"/>
               <a:t>마스터 제목 스타일 편집</a:t>
             </a:r>
-            <a:endParaRPr lang="ko-KR" altLang="en-US"/>
           </a:p>
         </p:txBody>
       </p:sp>
@@ -4196,38 +4309,37 @@
           <a:p>
             <a:pPr lvl="0"/>
             <a:r>
-              <a:rPr lang="ko-KR" altLang="en-US" smtClean="0"/>
+              <a:rPr lang="ko-KR" altLang="en-US"/>
               <a:t>마스터 텍스트 스타일을 편집합니다</a:t>
             </a:r>
           </a:p>
           <a:p>
             <a:pPr lvl="1"/>
             <a:r>
-              <a:rPr lang="ko-KR" altLang="en-US" smtClean="0"/>
+              <a:rPr lang="ko-KR" altLang="en-US"/>
               <a:t>둘째 수준</a:t>
             </a:r>
           </a:p>
           <a:p>
             <a:pPr lvl="2"/>
             <a:r>
-              <a:rPr lang="ko-KR" altLang="en-US" smtClean="0"/>
+              <a:rPr lang="ko-KR" altLang="en-US"/>
               <a:t>셋째 수준</a:t>
             </a:r>
           </a:p>
           <a:p>
             <a:pPr lvl="3"/>
             <a:r>
-              <a:rPr lang="ko-KR" altLang="en-US" smtClean="0"/>
+              <a:rPr lang="ko-KR" altLang="en-US"/>
               <a:t>넷째 수준</a:t>
             </a:r>
           </a:p>
           <a:p>
             <a:pPr lvl="4"/>
             <a:r>
-              <a:rPr lang="ko-KR" altLang="en-US" smtClean="0"/>
+              <a:rPr lang="ko-KR" altLang="en-US"/>
               <a:t>다섯째 수준</a:t>
             </a:r>
-            <a:endParaRPr lang="ko-KR" altLang="en-US"/>
           </a:p>
         </p:txBody>
       </p:sp>
@@ -4290,7 +4402,7 @@
           <a:p>
             <a:pPr lvl="0"/>
             <a:r>
-              <a:rPr lang="ko-KR" altLang="en-US" smtClean="0"/>
+              <a:rPr lang="ko-KR" altLang="en-US"/>
               <a:t>마스터 텍스트 스타일을 편집합니다</a:t>
             </a:r>
           </a:p>
@@ -4306,7 +4418,18 @@
   <p:clrMapOvr>
     <a:masterClrMapping/>
   </p:clrMapOvr>
-  <p:transition spd="med"/>
+  <mc:AlternateContent xmlns:mc="http://schemas.openxmlformats.org/markup-compatibility/2006">
+    <mc:Choice xmlns:p159="http://schemas.microsoft.com/office/powerpoint/2015/09/main" Requires="p159">
+      <p:transition>
+        <p159:morph option="byChar"/>
+      </p:transition>
+    </mc:Choice>
+    <mc:Fallback>
+      <p:transition>
+        <p:fade/>
+      </p:transition>
+    </mc:Fallback>
+  </mc:AlternateContent>
 </p:sldLayout>
 </file>
 
@@ -4352,10 +4475,9 @@
           </a:lstStyle>
           <a:p>
             <a:r>
-              <a:rPr lang="ko-KR" altLang="en-US" smtClean="0"/>
+              <a:rPr lang="ko-KR" altLang="en-US"/>
               <a:t>마스터 제목 스타일 편집</a:t>
             </a:r>
-            <a:endParaRPr lang="ko-KR" altLang="en-US"/>
           </a:p>
         </p:txBody>
       </p:sp>
@@ -4417,7 +4539,7 @@
           </a:lstStyle>
           <a:p>
             <a:pPr lvl="0"/>
-            <a:endParaRPr lang="ko-KR" altLang="en-US" noProof="0" smtClean="0"/>
+            <a:endParaRPr lang="ko-KR" altLang="en-US" noProof="0"/>
           </a:p>
         </p:txBody>
       </p:sp>
@@ -4480,7 +4602,7 @@
           <a:p>
             <a:pPr lvl="0"/>
             <a:r>
-              <a:rPr lang="ko-KR" altLang="en-US" smtClean="0"/>
+              <a:rPr lang="ko-KR" altLang="en-US"/>
               <a:t>마스터 텍스트 스타일을 편집합니다</a:t>
             </a:r>
           </a:p>
@@ -4496,7 +4618,18 @@
   <p:clrMapOvr>
     <a:masterClrMapping/>
   </p:clrMapOvr>
-  <p:transition spd="med"/>
+  <mc:AlternateContent xmlns:mc="http://schemas.openxmlformats.org/markup-compatibility/2006">
+    <mc:Choice xmlns:p159="http://schemas.microsoft.com/office/powerpoint/2015/09/main" Requires="p159">
+      <p:transition>
+        <p159:morph option="byChar"/>
+      </p:transition>
+    </mc:Choice>
+    <mc:Fallback>
+      <p:transition>
+        <p:fade/>
+      </p:transition>
+    </mc:Fallback>
+  </mc:AlternateContent>
 </p:sldLayout>
 </file>
 
@@ -4533,10 +4666,9 @@
           <a:lstStyle/>
           <a:p>
             <a:r>
-              <a:rPr lang="ko-KR" altLang="en-US" smtClean="0"/>
+              <a:rPr lang="ko-KR" altLang="en-US"/>
               <a:t>마스터 제목 스타일 편집</a:t>
             </a:r>
-            <a:endParaRPr lang="ko-KR" altLang="en-US"/>
           </a:p>
         </p:txBody>
       </p:sp>
@@ -4557,38 +4689,37 @@
           <a:p>
             <a:pPr lvl="0"/>
             <a:r>
-              <a:rPr lang="ko-KR" altLang="en-US" smtClean="0"/>
+              <a:rPr lang="ko-KR" altLang="en-US"/>
               <a:t>마스터 텍스트 스타일을 편집합니다</a:t>
             </a:r>
           </a:p>
           <a:p>
             <a:pPr lvl="1"/>
             <a:r>
-              <a:rPr lang="ko-KR" altLang="en-US" smtClean="0"/>
+              <a:rPr lang="ko-KR" altLang="en-US"/>
               <a:t>둘째 수준</a:t>
             </a:r>
           </a:p>
           <a:p>
             <a:pPr lvl="2"/>
             <a:r>
-              <a:rPr lang="ko-KR" altLang="en-US" smtClean="0"/>
+              <a:rPr lang="ko-KR" altLang="en-US"/>
               <a:t>셋째 수준</a:t>
             </a:r>
           </a:p>
           <a:p>
             <a:pPr lvl="3"/>
             <a:r>
-              <a:rPr lang="ko-KR" altLang="en-US" smtClean="0"/>
+              <a:rPr lang="ko-KR" altLang="en-US"/>
               <a:t>넷째 수준</a:t>
             </a:r>
           </a:p>
           <a:p>
             <a:pPr lvl="4"/>
             <a:r>
-              <a:rPr lang="ko-KR" altLang="en-US" smtClean="0"/>
+              <a:rPr lang="ko-KR" altLang="en-US"/>
               <a:t>다섯째 수준</a:t>
             </a:r>
-            <a:endParaRPr lang="ko-KR" altLang="en-US"/>
           </a:p>
         </p:txBody>
       </p:sp>
@@ -4602,7 +4733,18 @@
   <p:clrMapOvr>
     <a:masterClrMapping/>
   </p:clrMapOvr>
-  <p:transition spd="med"/>
+  <mc:AlternateContent xmlns:mc="http://schemas.openxmlformats.org/markup-compatibility/2006">
+    <mc:Choice xmlns:p159="http://schemas.microsoft.com/office/powerpoint/2015/09/main" Requires="p159">
+      <p:transition>
+        <p159:morph option="byChar"/>
+      </p:transition>
+    </mc:Choice>
+    <mc:Fallback>
+      <p:transition>
+        <p:fade/>
+      </p:transition>
+    </mc:Fallback>
+  </mc:AlternateContent>
 </p:sldLayout>
 </file>
 
@@ -4644,10 +4786,9 @@
           <a:lstStyle/>
           <a:p>
             <a:r>
-              <a:rPr lang="ko-KR" altLang="en-US" smtClean="0"/>
+              <a:rPr lang="ko-KR" altLang="en-US"/>
               <a:t>마스터 제목 스타일 편집</a:t>
             </a:r>
-            <a:endParaRPr lang="ko-KR" altLang="en-US"/>
           </a:p>
         </p:txBody>
       </p:sp>
@@ -4673,38 +4814,37 @@
           <a:p>
             <a:pPr lvl="0"/>
             <a:r>
-              <a:rPr lang="ko-KR" altLang="en-US" smtClean="0"/>
+              <a:rPr lang="ko-KR" altLang="en-US"/>
               <a:t>마스터 텍스트 스타일을 편집합니다</a:t>
             </a:r>
           </a:p>
           <a:p>
             <a:pPr lvl="1"/>
             <a:r>
-              <a:rPr lang="ko-KR" altLang="en-US" smtClean="0"/>
+              <a:rPr lang="ko-KR" altLang="en-US"/>
               <a:t>둘째 수준</a:t>
             </a:r>
           </a:p>
           <a:p>
             <a:pPr lvl="2"/>
             <a:r>
-              <a:rPr lang="ko-KR" altLang="en-US" smtClean="0"/>
+              <a:rPr lang="ko-KR" altLang="en-US"/>
               <a:t>셋째 수준</a:t>
             </a:r>
           </a:p>
           <a:p>
             <a:pPr lvl="3"/>
             <a:r>
-              <a:rPr lang="ko-KR" altLang="en-US" smtClean="0"/>
+              <a:rPr lang="ko-KR" altLang="en-US"/>
               <a:t>넷째 수준</a:t>
             </a:r>
           </a:p>
           <a:p>
             <a:pPr lvl="4"/>
             <a:r>
-              <a:rPr lang="ko-KR" altLang="en-US" smtClean="0"/>
+              <a:rPr lang="ko-KR" altLang="en-US"/>
               <a:t>다섯째 수준</a:t>
             </a:r>
-            <a:endParaRPr lang="ko-KR" altLang="en-US"/>
           </a:p>
         </p:txBody>
       </p:sp>
@@ -4718,7 +4858,18 @@
   <p:clrMapOvr>
     <a:masterClrMapping/>
   </p:clrMapOvr>
-  <p:transition spd="med"/>
+  <mc:AlternateContent xmlns:mc="http://schemas.openxmlformats.org/markup-compatibility/2006">
+    <mc:Choice xmlns:p159="http://schemas.microsoft.com/office/powerpoint/2015/09/main" Requires="p159">
+      <p:transition>
+        <p159:morph option="byChar"/>
+      </p:transition>
+    </mc:Choice>
+    <mc:Fallback>
+      <p:transition>
+        <p:fade/>
+      </p:transition>
+    </mc:Fallback>
+  </mc:AlternateContent>
 </p:sldLayout>
 </file>
 
@@ -4764,10 +4915,9 @@
           </a:lstStyle>
           <a:p>
             <a:r>
-              <a:rPr lang="ko-KR" altLang="en-US" smtClean="0"/>
+              <a:rPr lang="ko-KR" altLang="en-US"/>
               <a:t>마스터 제목 스타일 편집</a:t>
             </a:r>
-            <a:endParaRPr lang="ko-KR" altLang="en-US"/>
           </a:p>
         </p:txBody>
       </p:sp>
@@ -4830,7 +4980,7 @@
           <a:p>
             <a:pPr lvl="0"/>
             <a:r>
-              <a:rPr lang="ko-KR" altLang="en-US" smtClean="0"/>
+              <a:rPr lang="ko-KR" altLang="en-US"/>
               <a:t>마스터 텍스트 스타일을 편집합니다</a:t>
             </a:r>
           </a:p>
@@ -4846,7 +4996,18 @@
   <p:clrMapOvr>
     <a:masterClrMapping/>
   </p:clrMapOvr>
-  <p:transition spd="med"/>
+  <mc:AlternateContent xmlns:mc="http://schemas.openxmlformats.org/markup-compatibility/2006">
+    <mc:Choice xmlns:p159="http://schemas.microsoft.com/office/powerpoint/2015/09/main" Requires="p159">
+      <p:transition>
+        <p159:morph option="byChar"/>
+      </p:transition>
+    </mc:Choice>
+    <mc:Fallback>
+      <p:transition>
+        <p:fade/>
+      </p:transition>
+    </mc:Fallback>
+  </mc:AlternateContent>
 </p:sldLayout>
 </file>
 
@@ -4883,10 +5044,9 @@
           <a:lstStyle/>
           <a:p>
             <a:r>
-              <a:rPr lang="ko-KR" altLang="en-US" smtClean="0"/>
+              <a:rPr lang="ko-KR" altLang="en-US"/>
               <a:t>마스터 제목 스타일 편집</a:t>
             </a:r>
-            <a:endParaRPr lang="ko-KR" altLang="en-US"/>
           </a:p>
         </p:txBody>
       </p:sp>
@@ -4940,38 +5100,37 @@
           <a:p>
             <a:pPr lvl="0"/>
             <a:r>
-              <a:rPr lang="ko-KR" altLang="en-US" smtClean="0"/>
+              <a:rPr lang="ko-KR" altLang="en-US"/>
               <a:t>마스터 텍스트 스타일을 편집합니다</a:t>
             </a:r>
           </a:p>
           <a:p>
             <a:pPr lvl="1"/>
             <a:r>
-              <a:rPr lang="ko-KR" altLang="en-US" smtClean="0"/>
+              <a:rPr lang="ko-KR" altLang="en-US"/>
               <a:t>둘째 수준</a:t>
             </a:r>
           </a:p>
           <a:p>
             <a:pPr lvl="2"/>
             <a:r>
-              <a:rPr lang="ko-KR" altLang="en-US" smtClean="0"/>
+              <a:rPr lang="ko-KR" altLang="en-US"/>
               <a:t>셋째 수준</a:t>
             </a:r>
           </a:p>
           <a:p>
             <a:pPr lvl="3"/>
             <a:r>
-              <a:rPr lang="ko-KR" altLang="en-US" smtClean="0"/>
+              <a:rPr lang="ko-KR" altLang="en-US"/>
               <a:t>넷째 수준</a:t>
             </a:r>
           </a:p>
           <a:p>
             <a:pPr lvl="4"/>
             <a:r>
-              <a:rPr lang="ko-KR" altLang="en-US" smtClean="0"/>
+              <a:rPr lang="ko-KR" altLang="en-US"/>
               <a:t>다섯째 수준</a:t>
             </a:r>
-            <a:endParaRPr lang="ko-KR" altLang="en-US"/>
           </a:p>
         </p:txBody>
       </p:sp>
@@ -5025,38 +5184,37 @@
           <a:p>
             <a:pPr lvl="0"/>
             <a:r>
-              <a:rPr lang="ko-KR" altLang="en-US" smtClean="0"/>
+              <a:rPr lang="ko-KR" altLang="en-US"/>
               <a:t>마스터 텍스트 스타일을 편집합니다</a:t>
             </a:r>
           </a:p>
           <a:p>
             <a:pPr lvl="1"/>
             <a:r>
-              <a:rPr lang="ko-KR" altLang="en-US" smtClean="0"/>
+              <a:rPr lang="ko-KR" altLang="en-US"/>
               <a:t>둘째 수준</a:t>
             </a:r>
           </a:p>
           <a:p>
             <a:pPr lvl="2"/>
             <a:r>
-              <a:rPr lang="ko-KR" altLang="en-US" smtClean="0"/>
+              <a:rPr lang="ko-KR" altLang="en-US"/>
               <a:t>셋째 수준</a:t>
             </a:r>
           </a:p>
           <a:p>
             <a:pPr lvl="3"/>
             <a:r>
-              <a:rPr lang="ko-KR" altLang="en-US" smtClean="0"/>
+              <a:rPr lang="ko-KR" altLang="en-US"/>
               <a:t>넷째 수준</a:t>
             </a:r>
           </a:p>
           <a:p>
             <a:pPr lvl="4"/>
             <a:r>
-              <a:rPr lang="ko-KR" altLang="en-US" smtClean="0"/>
+              <a:rPr lang="ko-KR" altLang="en-US"/>
               <a:t>다섯째 수준</a:t>
             </a:r>
-            <a:endParaRPr lang="ko-KR" altLang="en-US"/>
           </a:p>
         </p:txBody>
       </p:sp>
@@ -5070,7 +5228,18 @@
   <p:clrMapOvr>
     <a:masterClrMapping/>
   </p:clrMapOvr>
-  <p:transition spd="med"/>
+  <mc:AlternateContent xmlns:mc="http://schemas.openxmlformats.org/markup-compatibility/2006">
+    <mc:Choice xmlns:p159="http://schemas.microsoft.com/office/powerpoint/2015/09/main" Requires="p159">
+      <p:transition>
+        <p159:morph option="byChar"/>
+      </p:transition>
+    </mc:Choice>
+    <mc:Fallback>
+      <p:transition>
+        <p:fade/>
+      </p:transition>
+    </mc:Fallback>
+  </mc:AlternateContent>
 </p:sldLayout>
 </file>
 
@@ -5107,10 +5276,9 @@
           <a:lstStyle/>
           <a:p>
             <a:r>
-              <a:rPr lang="ko-KR" altLang="en-US" smtClean="0"/>
+              <a:rPr lang="ko-KR" altLang="en-US"/>
               <a:t>마스터 제목 스타일 편집</a:t>
             </a:r>
-            <a:endParaRPr lang="ko-KR" altLang="en-US"/>
           </a:p>
         </p:txBody>
       </p:sp>
@@ -5124,7 +5292,18 @@
   <p:clrMapOvr>
     <a:masterClrMapping/>
   </p:clrMapOvr>
-  <p:transition spd="med"/>
+  <mc:AlternateContent xmlns:mc="http://schemas.openxmlformats.org/markup-compatibility/2006">
+    <mc:Choice xmlns:p159="http://schemas.microsoft.com/office/powerpoint/2015/09/main" Requires="p159">
+      <p:transition>
+        <p159:morph option="byChar"/>
+      </p:transition>
+    </mc:Choice>
+    <mc:Fallback>
+      <p:transition>
+        <p:fade/>
+      </p:transition>
+    </mc:Fallback>
+  </mc:AlternateContent>
 </p:sldLayout>
 </file>
 
@@ -5155,7 +5334,18 @@
   <p:clrMapOvr>
     <a:masterClrMapping/>
   </p:clrMapOvr>
-  <p:transition spd="med"/>
+  <mc:AlternateContent xmlns:mc="http://schemas.openxmlformats.org/markup-compatibility/2006">
+    <mc:Choice xmlns:p159="http://schemas.microsoft.com/office/powerpoint/2015/09/main" Requires="p159">
+      <p:transition>
+        <p159:morph option="byChar"/>
+      </p:transition>
+    </mc:Choice>
+    <mc:Fallback>
+      <p:transition>
+        <p:fade/>
+      </p:transition>
+    </mc:Fallback>
+  </mc:AlternateContent>
 </p:sldLayout>
 </file>
 
@@ -5201,10 +5391,9 @@
           </a:lstStyle>
           <a:p>
             <a:r>
-              <a:rPr lang="ko-KR" altLang="en-US" smtClean="0"/>
+              <a:rPr lang="ko-KR" altLang="en-US"/>
               <a:t>마스터 제목 스타일 편집</a:t>
             </a:r>
-            <a:endParaRPr lang="ko-KR" altLang="en-US"/>
           </a:p>
         </p:txBody>
       </p:sp>
@@ -5258,38 +5447,37 @@
           <a:p>
             <a:pPr lvl="0"/>
             <a:r>
-              <a:rPr lang="ko-KR" altLang="en-US" smtClean="0"/>
+              <a:rPr lang="ko-KR" altLang="en-US"/>
               <a:t>마스터 텍스트 스타일을 편집합니다</a:t>
             </a:r>
           </a:p>
           <a:p>
             <a:pPr lvl="1"/>
             <a:r>
-              <a:rPr lang="ko-KR" altLang="en-US" smtClean="0"/>
+              <a:rPr lang="ko-KR" altLang="en-US"/>
               <a:t>둘째 수준</a:t>
             </a:r>
           </a:p>
           <a:p>
             <a:pPr lvl="2"/>
             <a:r>
-              <a:rPr lang="ko-KR" altLang="en-US" smtClean="0"/>
+              <a:rPr lang="ko-KR" altLang="en-US"/>
               <a:t>셋째 수준</a:t>
             </a:r>
           </a:p>
           <a:p>
             <a:pPr lvl="3"/>
             <a:r>
-              <a:rPr lang="ko-KR" altLang="en-US" smtClean="0"/>
+              <a:rPr lang="ko-KR" altLang="en-US"/>
               <a:t>넷째 수준</a:t>
             </a:r>
           </a:p>
           <a:p>
             <a:pPr lvl="4"/>
             <a:r>
-              <a:rPr lang="ko-KR" altLang="en-US" smtClean="0"/>
+              <a:rPr lang="ko-KR" altLang="en-US"/>
               <a:t>다섯째 수준</a:t>
             </a:r>
-            <a:endParaRPr lang="ko-KR" altLang="en-US"/>
           </a:p>
         </p:txBody>
       </p:sp>
@@ -5352,7 +5540,7 @@
           <a:p>
             <a:pPr lvl="0"/>
             <a:r>
-              <a:rPr lang="ko-KR" altLang="en-US" smtClean="0"/>
+              <a:rPr lang="ko-KR" altLang="en-US"/>
               <a:t>마스터 텍스트 스타일을 편집합니다</a:t>
             </a:r>
           </a:p>
@@ -5368,7 +5556,18 @@
   <p:clrMapOvr>
     <a:masterClrMapping/>
   </p:clrMapOvr>
-  <p:transition spd="med"/>
+  <mc:AlternateContent xmlns:mc="http://schemas.openxmlformats.org/markup-compatibility/2006">
+    <mc:Choice xmlns:p159="http://schemas.microsoft.com/office/powerpoint/2015/09/main" Requires="p159">
+      <p:transition>
+        <p159:morph option="byChar"/>
+      </p:transition>
+    </mc:Choice>
+    <mc:Fallback>
+      <p:transition>
+        <p:fade/>
+      </p:transition>
+    </mc:Fallback>
+  </mc:AlternateContent>
 </p:sldLayout>
 </file>
 
@@ -5414,10 +5613,9 @@
           </a:lstStyle>
           <a:p>
             <a:r>
-              <a:rPr lang="ko-KR" altLang="en-US" smtClean="0"/>
+              <a:rPr lang="ko-KR" altLang="en-US"/>
               <a:t>마스터 제목 스타일 편집</a:t>
             </a:r>
-            <a:endParaRPr lang="ko-KR" altLang="en-US"/>
           </a:p>
         </p:txBody>
       </p:sp>
@@ -5479,7 +5677,7 @@
           </a:lstStyle>
           <a:p>
             <a:pPr lvl="0"/>
-            <a:endParaRPr lang="ko-KR" altLang="en-US" noProof="0" smtClean="0"/>
+            <a:endParaRPr lang="ko-KR" altLang="en-US" noProof="0"/>
           </a:p>
         </p:txBody>
       </p:sp>
@@ -5542,7 +5740,7 @@
           <a:p>
             <a:pPr lvl="0"/>
             <a:r>
-              <a:rPr lang="ko-KR" altLang="en-US" smtClean="0"/>
+              <a:rPr lang="ko-KR" altLang="en-US"/>
               <a:t>마스터 텍스트 스타일을 편집합니다</a:t>
             </a:r>
           </a:p>
@@ -5558,7 +5756,18 @@
   <p:clrMapOvr>
     <a:masterClrMapping/>
   </p:clrMapOvr>
-  <p:transition spd="med"/>
+  <mc:AlternateContent xmlns:mc="http://schemas.openxmlformats.org/markup-compatibility/2006">
+    <mc:Choice xmlns:p159="http://schemas.microsoft.com/office/powerpoint/2015/09/main" Requires="p159">
+      <p:transition>
+        <p159:morph option="byChar"/>
+      </p:transition>
+    </mc:Choice>
+    <mc:Fallback>
+      <p:transition>
+        <p:fade/>
+      </p:transition>
+    </mc:Fallback>
+  </mc:AlternateContent>
 </p:sldLayout>
 </file>
 
@@ -5600,10 +5809,9 @@
           <a:lstStyle/>
           <a:p>
             <a:r>
-              <a:rPr lang="ko-KR" altLang="en-US" smtClean="0"/>
+              <a:rPr lang="ko-KR" altLang="en-US"/>
               <a:t>마스터 제목 스타일 편집</a:t>
             </a:r>
-            <a:endParaRPr lang="ko-KR" altLang="en-US"/>
           </a:p>
         </p:txBody>
       </p:sp>
@@ -5624,38 +5832,37 @@
           <a:p>
             <a:pPr lvl="0"/>
             <a:r>
-              <a:rPr lang="ko-KR" altLang="en-US" smtClean="0"/>
+              <a:rPr lang="ko-KR" altLang="en-US"/>
               <a:t>마스터 텍스트 스타일을 편집합니다</a:t>
             </a:r>
           </a:p>
           <a:p>
             <a:pPr lvl="1"/>
             <a:r>
-              <a:rPr lang="ko-KR" altLang="en-US" smtClean="0"/>
+              <a:rPr lang="ko-KR" altLang="en-US"/>
               <a:t>둘째 수준</a:t>
             </a:r>
           </a:p>
           <a:p>
             <a:pPr lvl="2"/>
             <a:r>
-              <a:rPr lang="ko-KR" altLang="en-US" smtClean="0"/>
+              <a:rPr lang="ko-KR" altLang="en-US"/>
               <a:t>셋째 수준</a:t>
             </a:r>
           </a:p>
           <a:p>
             <a:pPr lvl="3"/>
             <a:r>
-              <a:rPr lang="ko-KR" altLang="en-US" smtClean="0"/>
+              <a:rPr lang="ko-KR" altLang="en-US"/>
               <a:t>넷째 수준</a:t>
             </a:r>
           </a:p>
           <a:p>
             <a:pPr lvl="4"/>
             <a:r>
-              <a:rPr lang="ko-KR" altLang="en-US" smtClean="0"/>
+              <a:rPr lang="ko-KR" altLang="en-US"/>
               <a:t>다섯째 수준</a:t>
             </a:r>
-            <a:endParaRPr lang="ko-KR" altLang="en-US"/>
           </a:p>
         </p:txBody>
       </p:sp>
@@ -5669,7 +5876,18 @@
   <p:clrMapOvr>
     <a:masterClrMapping/>
   </p:clrMapOvr>
-  <p:transition spd="med"/>
+  <mc:AlternateContent xmlns:mc="http://schemas.openxmlformats.org/markup-compatibility/2006">
+    <mc:Choice xmlns:p159="http://schemas.microsoft.com/office/powerpoint/2015/09/main" Requires="p159">
+      <p:transition>
+        <p159:morph option="byChar"/>
+      </p:transition>
+    </mc:Choice>
+    <mc:Fallback>
+      <p:transition>
+        <p:fade/>
+      </p:transition>
+    </mc:Fallback>
+  </mc:AlternateContent>
 </p:sldLayout>
 </file>
 
@@ -5846,7 +6064,7 @@
             <a:pPr algn="ctr" eaLnBrk="1" latinLnBrk="1" hangingPunct="1">
               <a:defRPr/>
             </a:pPr>
-            <a:endParaRPr lang="ko-KR" altLang="ko-KR" sz="1800" smtClean="0">
+            <a:endParaRPr lang="ko-KR" altLang="ko-KR" sz="1800">
               <a:solidFill>
                 <a:schemeClr val="bg1"/>
               </a:solidFill>
@@ -5906,7 +6124,7 @@
           <a:p>
             <a:pPr lvl="0"/>
             <a:r>
-              <a:rPr lang="ko-KR" altLang="en-US" smtClean="0"/>
+              <a:rPr lang="ko-KR" altLang="en-US"/>
               <a:t>마스터 제목 스타일 편집</a:t>
             </a:r>
           </a:p>
@@ -5964,42 +6182,42 @@
           <a:p>
             <a:pPr lvl="0"/>
             <a:r>
-              <a:rPr lang="en-US" altLang="ko-KR" smtClean="0"/>
+              <a:rPr lang="en-US" altLang="ko-KR"/>
               <a:t>1</a:t>
             </a:r>
-            <a:endParaRPr lang="ko-KR" altLang="en-US" smtClean="0"/>
+            <a:endParaRPr lang="ko-KR" altLang="en-US"/>
           </a:p>
           <a:p>
             <a:pPr lvl="1"/>
             <a:r>
-              <a:rPr lang="en-US" altLang="ko-KR" smtClean="0"/>
+              <a:rPr lang="en-US" altLang="ko-KR"/>
               <a:t>2</a:t>
             </a:r>
-            <a:endParaRPr lang="ko-KR" altLang="en-US" smtClean="0"/>
+            <a:endParaRPr lang="ko-KR" altLang="en-US"/>
           </a:p>
           <a:p>
             <a:pPr lvl="2"/>
             <a:r>
-              <a:rPr lang="en-US" altLang="ko-KR" smtClean="0"/>
+              <a:rPr lang="en-US" altLang="ko-KR"/>
               <a:t>3</a:t>
             </a:r>
-            <a:endParaRPr lang="ko-KR" altLang="en-US" smtClean="0"/>
+            <a:endParaRPr lang="ko-KR" altLang="en-US"/>
           </a:p>
           <a:p>
             <a:pPr lvl="3"/>
             <a:r>
-              <a:rPr lang="en-US" altLang="ko-KR" smtClean="0"/>
+              <a:rPr lang="en-US" altLang="ko-KR"/>
               <a:t>4</a:t>
             </a:r>
-            <a:endParaRPr lang="ko-KR" altLang="en-US" smtClean="0"/>
+            <a:endParaRPr lang="ko-KR" altLang="en-US"/>
           </a:p>
           <a:p>
             <a:pPr lvl="4"/>
             <a:r>
-              <a:rPr lang="en-US" altLang="ko-KR" smtClean="0"/>
+              <a:rPr lang="en-US" altLang="ko-KR"/>
               <a:t>5</a:t>
             </a:r>
-            <a:endParaRPr lang="ko-KR" altLang="en-US" smtClean="0"/>
+            <a:endParaRPr lang="ko-KR" altLang="en-US"/>
           </a:p>
         </p:txBody>
       </p:sp>
@@ -6152,7 +6370,7 @@
               <a:defRPr/>
             </a:pPr>
             <a:r>
-              <a:rPr lang="en-US" altLang="ko-KR" sz="1200" smtClean="0">
+              <a:rPr lang="en-US" altLang="ko-KR" sz="1200">
                 <a:solidFill>
                   <a:schemeClr val="bg1"/>
                 </a:solidFill>
@@ -6161,7 +6379,7 @@
               </a:rPr>
               <a:t>      Advanced Broadcasting &amp; Communications Lab.</a:t>
             </a:r>
-            <a:endParaRPr lang="en-US" altLang="ko-KR" sz="1800" smtClean="0">
+            <a:endParaRPr lang="en-US" altLang="ko-KR" sz="1800">
               <a:solidFill>
                 <a:schemeClr val="bg1"/>
               </a:solidFill>
@@ -6338,7 +6556,7 @@
               </a:pPr>
               <a:t>‹#›</a:t>
             </a:fld>
-            <a:endParaRPr lang="en-US" altLang="ko-KR" sz="1200" smtClean="0">
+            <a:endParaRPr lang="en-US" altLang="ko-KR" sz="1200">
               <a:solidFill>
                 <a:schemeClr val="bg1"/>
               </a:solidFill>
@@ -6831,7 +7049,7 @@
                 <a:defRPr/>
               </a:pPr>
               <a:r>
-                <a:rPr lang="en-US" altLang="ko-KR" sz="1600" i="1" smtClean="0">
+                <a:rPr lang="en-US" altLang="ko-KR" sz="1600" i="1">
                   <a:solidFill>
                     <a:srgbClr val="99CC00"/>
                   </a:solidFill>
@@ -6998,7 +7216,7 @@
                 <a:defRPr/>
               </a:pPr>
               <a:r>
-                <a:rPr lang="en-US" altLang="ko-KR" sz="2200" i="1" smtClean="0">
+                <a:rPr lang="en-US" altLang="ko-KR" sz="2200" i="1">
                   <a:solidFill>
                     <a:schemeClr val="bg1"/>
                   </a:solidFill>
@@ -7165,7 +7383,7 @@
                 <a:defRPr/>
               </a:pPr>
               <a:r>
-                <a:rPr lang="ko-KR" altLang="en-US" sz="900" i="1" smtClean="0">
+                <a:rPr lang="ko-KR" altLang="en-US" sz="900" i="1">
                   <a:solidFill>
                     <a:schemeClr val="bg1"/>
                   </a:solidFill>
@@ -7174,7 +7392,7 @@
                 <a:t>세계로</a:t>
               </a:r>
               <a:r>
-                <a:rPr lang="ko-KR" altLang="en-US" sz="900" i="1" smtClean="0">
+                <a:rPr lang="ko-KR" altLang="en-US" sz="900" i="1">
                   <a:solidFill>
                     <a:schemeClr val="bg2"/>
                   </a:solidFill>
@@ -7183,7 +7401,7 @@
                 <a:t> </a:t>
               </a:r>
               <a:r>
-                <a:rPr lang="ko-KR" altLang="en-US" sz="900" i="1" smtClean="0">
+                <a:rPr lang="ko-KR" altLang="en-US" sz="900" i="1">
                   <a:solidFill>
                     <a:schemeClr val="bg1"/>
                   </a:solidFill>
@@ -7212,14 +7430,18 @@
     <p:sldLayoutId id="2147484488" r:id="rId11"/>
     <p:sldLayoutId id="2147484489" r:id="rId12"/>
   </p:sldLayoutIdLst>
-  <p:transition spd="med"/>
-  <p:timing>
-    <p:tnLst>
-      <p:par>
-        <p:cTn id="1" dur="indefinite" restart="never" nodeType="tmRoot"/>
-      </p:par>
-    </p:tnLst>
-  </p:timing>
+  <mc:AlternateContent xmlns:mc="http://schemas.openxmlformats.org/markup-compatibility/2006">
+    <mc:Choice xmlns:p159="http://schemas.microsoft.com/office/powerpoint/2015/09/main" Requires="p159">
+      <p:transition>
+        <p159:morph option="byChar"/>
+      </p:transition>
+    </mc:Choice>
+    <mc:Fallback>
+      <p:transition>
+        <p:fade/>
+      </p:transition>
+    </mc:Fallback>
+  </mc:AlternateContent>
   <p:txStyles>
     <p:titleStyle>
       <a:lvl1pPr algn="r" rtl="0" eaLnBrk="0" fontAlgn="base" latinLnBrk="1" hangingPunct="0">
@@ -7787,14 +8009,14 @@
               <a:defRPr/>
             </a:pPr>
             <a:r>
-              <a:rPr lang="en-US" altLang="ko-KR" sz="1200" smtClean="0">
+              <a:rPr lang="en-US" altLang="ko-KR" sz="1200">
                 <a:solidFill>
                   <a:schemeClr val="bg1"/>
                 </a:solidFill>
               </a:rPr>
               <a:t>Broadcasting &amp; Communication Systems Lab.</a:t>
             </a:r>
-            <a:endParaRPr lang="en-US" altLang="ko-KR" sz="1800" smtClean="0">
+            <a:endParaRPr lang="en-US" altLang="ko-KR" sz="1800">
               <a:solidFill>
                 <a:schemeClr val="bg1"/>
               </a:solidFill>
@@ -7969,7 +8191,7 @@
               </a:pPr>
               <a:t>‹#›</a:t>
             </a:fld>
-            <a:endParaRPr lang="en-US" altLang="ko-KR" sz="1200" smtClean="0">
+            <a:endParaRPr lang="en-US" altLang="ko-KR" sz="1200">
               <a:solidFill>
                 <a:schemeClr val="bg1"/>
               </a:solidFill>
@@ -8211,7 +8433,7 @@
             <a:pPr algn="r" eaLnBrk="1" latinLnBrk="1" hangingPunct="1">
               <a:defRPr/>
             </a:pPr>
-            <a:endParaRPr lang="ko-KR" altLang="ko-KR" sz="1000" smtClean="0">
+            <a:endParaRPr lang="ko-KR" altLang="ko-KR" sz="1000">
               <a:solidFill>
                 <a:schemeClr val="bg1"/>
               </a:solidFill>
@@ -8540,42 +8762,42 @@
           <a:p>
             <a:pPr lvl="0"/>
             <a:r>
-              <a:rPr lang="ko-KR" altLang="en-US" smtClean="0"/>
+              <a:rPr lang="ko-KR" altLang="en-US"/>
               <a:t>마스터 텍스트 스타일을 편집합니다</a:t>
             </a:r>
           </a:p>
           <a:p>
             <a:pPr lvl="1"/>
             <a:r>
-              <a:rPr lang="ko-KR" altLang="en-US" smtClean="0"/>
+              <a:rPr lang="ko-KR" altLang="en-US"/>
               <a:t>둘째 수준</a:t>
             </a:r>
           </a:p>
           <a:p>
             <a:pPr lvl="2"/>
             <a:r>
-              <a:rPr lang="ko-KR" altLang="en-US" smtClean="0"/>
+              <a:rPr lang="ko-KR" altLang="en-US"/>
               <a:t>셋째 수준</a:t>
             </a:r>
           </a:p>
           <a:p>
             <a:pPr lvl="3"/>
             <a:r>
-              <a:rPr lang="ko-KR" altLang="en-US" smtClean="0"/>
+              <a:rPr lang="ko-KR" altLang="en-US"/>
               <a:t>넷째 수준</a:t>
             </a:r>
           </a:p>
           <a:p>
             <a:pPr lvl="4"/>
             <a:r>
-              <a:rPr lang="ko-KR" altLang="en-US" smtClean="0"/>
+              <a:rPr lang="ko-KR" altLang="en-US"/>
               <a:t>다섯째 수준</a:t>
             </a:r>
             <a:r>
-              <a:rPr lang="en-US" altLang="ko-KR" smtClean="0"/>
+              <a:rPr lang="en-US" altLang="ko-KR"/>
               <a:t>z</a:t>
             </a:r>
-            <a:endParaRPr lang="ko-KR" altLang="en-US" smtClean="0"/>
+            <a:endParaRPr lang="ko-KR" altLang="en-US"/>
           </a:p>
         </p:txBody>
       </p:sp>
@@ -8631,7 +8853,7 @@
           <a:p>
             <a:pPr lvl="0"/>
             <a:r>
-              <a:rPr lang="en-US" altLang="ko-KR" smtClean="0"/>
+              <a:rPr lang="en-US" altLang="ko-KR"/>
               <a:t>Contents</a:t>
             </a:r>
           </a:p>
@@ -8799,7 +9021,7 @@
               <a:defRPr/>
             </a:pPr>
             <a:r>
-              <a:rPr lang="ko-KR" altLang="en-US" sz="2000" i="0" smtClean="0">
+              <a:rPr lang="ko-KR" altLang="en-US" sz="2000" i="0">
                 <a:solidFill>
                   <a:schemeClr val="bg1"/>
                 </a:solidFill>
@@ -8808,13 +9030,6 @@
               </a:rPr>
               <a:t>마스터 제목 스타일 편집</a:t>
             </a:r>
-            <a:endParaRPr lang="ko-KR" altLang="en-US" sz="2000" i="0">
-              <a:solidFill>
-                <a:schemeClr val="bg1"/>
-              </a:solidFill>
-              <a:latin typeface="Arial Black" pitchFamily="34" charset="0"/>
-              <a:ea typeface="HY견고딕" pitchFamily="18" charset="-127"/>
-            </a:endParaRPr>
           </a:p>
         </p:txBody>
       </p:sp>
@@ -8990,7 +9205,7 @@
                 <a:defRPr/>
               </a:pPr>
               <a:r>
-                <a:rPr lang="en-US" altLang="ko-KR" sz="1600" i="1" smtClean="0">
+                <a:rPr lang="en-US" altLang="ko-KR" sz="1600" i="1">
                   <a:solidFill>
                     <a:srgbClr val="99CC00"/>
                   </a:solidFill>
@@ -9157,7 +9372,7 @@
                 <a:defRPr/>
               </a:pPr>
               <a:r>
-                <a:rPr lang="en-US" altLang="ko-KR" sz="2200" i="1" smtClean="0">
+                <a:rPr lang="en-US" altLang="ko-KR" sz="2200" i="1">
                   <a:solidFill>
                     <a:schemeClr val="bg1"/>
                   </a:solidFill>
@@ -9324,7 +9539,7 @@
                 <a:defRPr/>
               </a:pPr>
               <a:r>
-                <a:rPr lang="ko-KR" altLang="en-US" sz="900" i="1" smtClean="0">
+                <a:rPr lang="ko-KR" altLang="en-US" sz="900" i="1">
                   <a:solidFill>
                     <a:schemeClr val="bg1"/>
                   </a:solidFill>
@@ -9333,7 +9548,7 @@
                 <a:t>세계로</a:t>
               </a:r>
               <a:r>
-                <a:rPr lang="ko-KR" altLang="en-US" sz="900" i="1" smtClean="0">
+                <a:rPr lang="ko-KR" altLang="en-US" sz="900" i="1">
                   <a:solidFill>
                     <a:schemeClr val="bg2"/>
                   </a:solidFill>
@@ -9342,7 +9557,7 @@
                 <a:t> </a:t>
               </a:r>
               <a:r>
-                <a:rPr lang="ko-KR" altLang="en-US" sz="900" i="1" smtClean="0">
+                <a:rPr lang="ko-KR" altLang="en-US" sz="900" i="1">
                   <a:solidFill>
                     <a:schemeClr val="bg1"/>
                   </a:solidFill>
@@ -9370,14 +9585,18 @@
     <p:sldLayoutId id="2147484499" r:id="rId10"/>
     <p:sldLayoutId id="2147484500" r:id="rId11"/>
   </p:sldLayoutIdLst>
-  <p:transition spd="med"/>
-  <p:timing>
-    <p:tnLst>
-      <p:par>
-        <p:cTn id="1" dur="indefinite" restart="never" nodeType="tmRoot"/>
-      </p:par>
-    </p:tnLst>
-  </p:timing>
+  <mc:AlternateContent xmlns:mc="http://schemas.openxmlformats.org/markup-compatibility/2006">
+    <mc:Choice xmlns:p159="http://schemas.microsoft.com/office/powerpoint/2015/09/main" Requires="p159">
+      <p:transition>
+        <p159:morph option="byChar"/>
+      </p:transition>
+    </mc:Choice>
+    <mc:Fallback>
+      <p:transition>
+        <p:fade/>
+      </p:transition>
+    </mc:Fallback>
+  </mc:AlternateContent>
   <p:txStyles>
     <p:titleStyle>
       <a:lvl1pPr algn="l" rtl="0" eaLnBrk="0" fontAlgn="base" latinLnBrk="1" hangingPunct="0">
@@ -9844,7 +10063,7 @@
                 <a:latin typeface="Arial Black" panose="020B0A04020102020204" pitchFamily="34" charset="0"/>
               </a:rPr>
             </a:br>
-            <a:endParaRPr lang="en-US" altLang="ko-KR" sz="2800" b="0" dirty="0" smtClean="0">
+            <a:endParaRPr lang="en-US" altLang="ko-KR" sz="2800" b="0" dirty="0">
               <a:solidFill>
                 <a:srgbClr val="A50021"/>
               </a:solidFill>
@@ -9881,7 +10100,7 @@
               </a:lnSpc>
             </a:pPr>
             <a:r>
-              <a:rPr lang="en-US" altLang="ko-KR" dirty="0" smtClean="0"/>
+              <a:rPr lang="en-US" altLang="ko-KR" dirty="0"/>
               <a:t>Chapter 6 – </a:t>
             </a:r>
           </a:p>
@@ -9892,10 +10111,10 @@
               </a:lnSpc>
             </a:pPr>
             <a:r>
-              <a:rPr lang="en-US" altLang="ko-KR" dirty="0" smtClean="0"/>
+              <a:rPr lang="en-US" altLang="ko-KR" dirty="0"/>
               <a:t>Variable-frequency Network Characteristics</a:t>
             </a:r>
-            <a:endParaRPr lang="en-US" altLang="ko-KR" sz="3200" dirty="0" smtClean="0"/>
+            <a:endParaRPr lang="en-US" altLang="ko-KR" sz="3200" dirty="0"/>
           </a:p>
         </p:txBody>
       </p:sp>
@@ -9904,14 +10123,18 @@
   <p:clrMapOvr>
     <a:masterClrMapping/>
   </p:clrMapOvr>
-  <p:transition spd="med"/>
-  <p:timing>
-    <p:tnLst>
-      <p:par>
-        <p:cTn id="1" dur="indefinite" restart="never" nodeType="tmRoot"/>
-      </p:par>
-    </p:tnLst>
-  </p:timing>
+  <mc:AlternateContent xmlns:mc="http://schemas.openxmlformats.org/markup-compatibility/2006">
+    <mc:Choice xmlns:p159="http://schemas.microsoft.com/office/powerpoint/2015/09/main" Requires="p159">
+      <p:transition>
+        <p159:morph option="byChar"/>
+      </p:transition>
+    </mc:Choice>
+    <mc:Fallback>
+      <p:transition>
+        <p:fade/>
+      </p:transition>
+    </mc:Fallback>
+  </mc:AlternateContent>
 </p:sld>
 </file>
 
@@ -9948,10 +10171,10 @@
           <a:lstStyle/>
           <a:p>
             <a:r>
-              <a:rPr lang="en-US" altLang="ko-KR" dirty="0" smtClean="0"/>
+              <a:rPr lang="en-US" altLang="ko-KR" dirty="0"/>
               <a:t>Resonance</a:t>
             </a:r>
-            <a:endParaRPr lang="ko-KR" altLang="en-US" dirty="0" smtClean="0"/>
+            <a:endParaRPr lang="ko-KR" altLang="en-US" dirty="0"/>
           </a:p>
         </p:txBody>
       </p:sp>
@@ -9981,7 +10204,7 @@
               <a:defRPr/>
             </a:pPr>
             <a:r>
-              <a:rPr lang="en-US" altLang="ko-KR" sz="2800" b="1" dirty="0" smtClean="0">
+              <a:rPr lang="en-US" altLang="ko-KR" sz="2800" b="1" dirty="0">
                 <a:solidFill>
                   <a:srgbClr val="A50021"/>
                 </a:solidFill>
@@ -9989,28 +10212,16 @@
               </a:rPr>
               <a:t>Resonance </a:t>
             </a:r>
-            <a:endParaRPr lang="en-US" altLang="ko-KR" sz="2800" b="1" dirty="0">
-              <a:solidFill>
-                <a:srgbClr val="A50021"/>
-              </a:solidFill>
-              <a:ea typeface="Arial Unicode MS" pitchFamily="50" charset="-127"/>
-            </a:endParaRPr>
           </a:p>
           <a:p>
             <a:pPr>
               <a:defRPr/>
             </a:pPr>
             <a:r>
-              <a:rPr lang="en-US" altLang="ko-KR" b="1" dirty="0" smtClean="0">
+              <a:rPr lang="en-US" altLang="ko-KR" b="1" dirty="0">
                 <a:ea typeface="Arial Unicode MS" pitchFamily="50" charset="-127"/>
               </a:rPr>
-              <a:t>Impedance </a:t>
-            </a:r>
-            <a:r>
-              <a:rPr lang="en-US" altLang="ko-KR" b="1" dirty="0" smtClean="0">
-                <a:ea typeface="Arial Unicode MS" pitchFamily="50" charset="-127"/>
-              </a:rPr>
-              <a:t>for RLC circuit</a:t>
+              <a:t>Impedance for RLC circuit</a:t>
             </a:r>
           </a:p>
           <a:p>
@@ -10018,7 +10229,7 @@
               <a:defRPr/>
             </a:pPr>
             <a:r>
-              <a:rPr lang="en-US" altLang="ko-KR" b="1" dirty="0" smtClean="0">
+              <a:rPr lang="en-US" altLang="ko-KR" b="1" dirty="0">
                 <a:ea typeface="Arial Unicode MS" pitchFamily="50" charset="-127"/>
               </a:rPr>
               <a:t>series </a:t>
@@ -10029,7 +10240,7 @@
               <a:defRPr/>
             </a:pPr>
             <a:r>
-              <a:rPr lang="en-US" altLang="ko-KR" b="1" dirty="0" smtClean="0">
+              <a:rPr lang="en-US" altLang="ko-KR" b="1" dirty="0">
                 <a:ea typeface="Arial Unicode MS" pitchFamily="50" charset="-127"/>
               </a:rPr>
               <a:t>parallel</a:t>
@@ -10040,7 +10251,7 @@
               <a:defRPr/>
             </a:pPr>
             <a:r>
-              <a:rPr lang="en-US" altLang="ko-KR" b="1" dirty="0" smtClean="0">
+              <a:rPr lang="en-US" altLang="ko-KR" b="1" dirty="0">
                 <a:ea typeface="Arial Unicode MS" pitchFamily="50" charset="-127"/>
               </a:rPr>
               <a:t>Zero reactance</a:t>
@@ -10051,18 +10262,18 @@
               <a:defRPr/>
             </a:pPr>
             <a:r>
-              <a:rPr lang="en-US" altLang="ko-KR" b="1" dirty="0" smtClean="0">
+              <a:rPr lang="en-US" altLang="ko-KR" b="1" dirty="0">
                 <a:ea typeface="Arial Unicode MS" pitchFamily="50" charset="-127"/>
               </a:rPr>
               <a:t>at </a:t>
             </a:r>
             <a:r>
-              <a:rPr lang="en-US" altLang="ko-KR" b="1" i="1" dirty="0" smtClean="0">
+              <a:rPr lang="en-US" altLang="ko-KR" b="1" i="1" dirty="0">
                 <a:ea typeface="Arial Unicode MS" pitchFamily="50" charset="-127"/>
               </a:rPr>
               <a:t>resonant frequency </a:t>
             </a:r>
-            <a:endParaRPr lang="en-US" altLang="ko-KR" b="1" dirty="0" smtClean="0">
+            <a:endParaRPr lang="en-US" altLang="ko-KR" b="1" dirty="0">
               <a:ea typeface="Arial Unicode MS" pitchFamily="50" charset="-127"/>
             </a:endParaRPr>
           </a:p>
@@ -10090,12 +10301,12 @@
           <a:graphicData uri="http://schemas.openxmlformats.org/presentationml/2006/ole">
             <mc:AlternateContent xmlns:mc="http://schemas.openxmlformats.org/markup-compatibility/2006">
               <mc:Choice xmlns:v="urn:schemas-microsoft-com:vml" Requires="v">
-                <p:oleObj spid="_x0000_s59430" name="Equation" r:id="rId3" imgW="1701720" imgH="253800" progId="Equation.DSMT4">
+                <p:oleObj name="Equation" r:id="rId2" imgW="1701720" imgH="253800" progId="Equation.DSMT4">
                   <p:embed/>
                 </p:oleObj>
               </mc:Choice>
               <mc:Fallback>
-                <p:oleObj name="Equation" r:id="rId3" imgW="1701720" imgH="253800" progId="Equation.DSMT4">
+                <p:oleObj name="Equation" r:id="rId2" imgW="1701720" imgH="253800" progId="Equation.DSMT4">
                   <p:embed/>
                   <p:pic>
                     <p:nvPicPr>
@@ -10106,7 +10317,7 @@
                       <p:nvPr/>
                     </p:nvPicPr>
                     <p:blipFill>
-                      <a:blip r:embed="rId4">
+                      <a:blip r:embed="rId3">
                         <a:extLst>
                           <a:ext uri="{28A0092B-C50C-407E-A947-70E740481C1C}">
                             <a14:useLocalDpi xmlns:a14="http://schemas.microsoft.com/office/drawing/2010/main" val="0"/>
@@ -10179,12 +10390,12 @@
           <a:graphicData uri="http://schemas.openxmlformats.org/presentationml/2006/ole">
             <mc:AlternateContent xmlns:mc="http://schemas.openxmlformats.org/markup-compatibility/2006">
               <mc:Choice xmlns:v="urn:schemas-microsoft-com:vml" Requires="v">
-                <p:oleObj spid="_x0000_s59431" name="Equation" r:id="rId5" imgW="1701720" imgH="253800" progId="Equation.DSMT4">
+                <p:oleObj name="Equation" r:id="rId4" imgW="1701720" imgH="253800" progId="Equation.DSMT4">
                   <p:embed/>
                 </p:oleObj>
               </mc:Choice>
               <mc:Fallback>
-                <p:oleObj name="Equation" r:id="rId5" imgW="1701720" imgH="253800" progId="Equation.DSMT4">
+                <p:oleObj name="Equation" r:id="rId4" imgW="1701720" imgH="253800" progId="Equation.DSMT4">
                   <p:embed/>
                   <p:pic>
                     <p:nvPicPr>
@@ -10195,7 +10406,7 @@
                       <p:nvPr/>
                     </p:nvPicPr>
                     <p:blipFill>
-                      <a:blip r:embed="rId6">
+                      <a:blip r:embed="rId5">
                         <a:extLst>
                           <a:ext uri="{28A0092B-C50C-407E-A947-70E740481C1C}">
                             <a14:useLocalDpi xmlns:a14="http://schemas.microsoft.com/office/drawing/2010/main" val="0"/>
@@ -10268,12 +10479,12 @@
           <a:graphicData uri="http://schemas.openxmlformats.org/presentationml/2006/ole">
             <mc:AlternateContent xmlns:mc="http://schemas.openxmlformats.org/markup-compatibility/2006">
               <mc:Choice xmlns:v="urn:schemas-microsoft-com:vml" Requires="v">
-                <p:oleObj spid="_x0000_s59432" name="Equation" r:id="rId7" imgW="749160" imgH="177480" progId="Equation.DSMT4">
+                <p:oleObj name="Equation" r:id="rId6" imgW="749160" imgH="177480" progId="Equation.DSMT4">
                   <p:embed/>
                 </p:oleObj>
               </mc:Choice>
               <mc:Fallback>
-                <p:oleObj name="Equation" r:id="rId7" imgW="749160" imgH="177480" progId="Equation.DSMT4">
+                <p:oleObj name="Equation" r:id="rId6" imgW="749160" imgH="177480" progId="Equation.DSMT4">
                   <p:embed/>
                   <p:pic>
                     <p:nvPicPr>
@@ -10284,7 +10495,7 @@
                       <p:nvPr/>
                     </p:nvPicPr>
                     <p:blipFill>
-                      <a:blip r:embed="rId8">
+                      <a:blip r:embed="rId7">
                         <a:extLst>
                           <a:ext uri="{28A0092B-C50C-407E-A947-70E740481C1C}">
                             <a14:useLocalDpi xmlns:a14="http://schemas.microsoft.com/office/drawing/2010/main" val="0"/>
@@ -10357,12 +10568,12 @@
           <a:graphicData uri="http://schemas.openxmlformats.org/presentationml/2006/ole">
             <mc:AlternateContent xmlns:mc="http://schemas.openxmlformats.org/markup-compatibility/2006">
               <mc:Choice xmlns:v="urn:schemas-microsoft-com:vml" Requires="v">
-                <p:oleObj spid="_x0000_s59433" name="Equation" r:id="rId9" imgW="3022560" imgH="266400" progId="Equation.DSMT4">
+                <p:oleObj name="Equation" r:id="rId8" imgW="3022560" imgH="266400" progId="Equation.DSMT4">
                   <p:embed/>
                 </p:oleObj>
               </mc:Choice>
               <mc:Fallback>
-                <p:oleObj name="Equation" r:id="rId9" imgW="3022560" imgH="266400" progId="Equation.DSMT4">
+                <p:oleObj name="Equation" r:id="rId8" imgW="3022560" imgH="266400" progId="Equation.DSMT4">
                   <p:embed/>
                   <p:pic>
                     <p:nvPicPr>
@@ -10373,7 +10584,7 @@
                       <p:nvPr/>
                     </p:nvPicPr>
                     <p:blipFill>
-                      <a:blip r:embed="rId10">
+                      <a:blip r:embed="rId9">
                         <a:extLst>
                           <a:ext uri="{28A0092B-C50C-407E-A947-70E740481C1C}">
                             <a14:useLocalDpi xmlns:a14="http://schemas.microsoft.com/office/drawing/2010/main" val="0"/>
@@ -10433,7 +10644,7 @@
           <p:nvPr/>
         </p:nvPicPr>
         <p:blipFill>
-          <a:blip r:embed="rId11" cstate="print">
+          <a:blip r:embed="rId10" cstate="print">
             <a:extLst>
               <a:ext uri="{28A0092B-C50C-407E-A947-70E740481C1C}">
                 <a14:useLocalDpi xmlns:a14="http://schemas.microsoft.com/office/drawing/2010/main" val="0"/>
@@ -10464,14 +10675,18 @@
   <p:clrMapOvr>
     <a:masterClrMapping/>
   </p:clrMapOvr>
-  <p:transition spd="med"/>
-  <p:timing>
-    <p:tnLst>
-      <p:par>
-        <p:cTn id="1" dur="indefinite" restart="never" nodeType="tmRoot"/>
-      </p:par>
-    </p:tnLst>
-  </p:timing>
+  <mc:AlternateContent xmlns:mc="http://schemas.openxmlformats.org/markup-compatibility/2006">
+    <mc:Choice xmlns:p159="http://schemas.microsoft.com/office/powerpoint/2015/09/main" Requires="p159">
+      <p:transition>
+        <p159:morph option="byChar"/>
+      </p:transition>
+    </mc:Choice>
+    <mc:Fallback>
+      <p:transition>
+        <p:fade/>
+      </p:transition>
+    </mc:Fallback>
+  </mc:AlternateContent>
 </p:sld>
 </file>
 
@@ -10508,10 +10723,10 @@
           <a:lstStyle/>
           <a:p>
             <a:r>
-              <a:rPr lang="en-US" altLang="ko-KR" dirty="0" smtClean="0"/>
+              <a:rPr lang="en-US" altLang="ko-KR" dirty="0"/>
               <a:t>Resonance</a:t>
             </a:r>
-            <a:endParaRPr lang="ko-KR" altLang="en-US" dirty="0" smtClean="0"/>
+            <a:endParaRPr lang="ko-KR" altLang="en-US" dirty="0"/>
           </a:p>
         </p:txBody>
       </p:sp>
@@ -10539,7 +10754,7 @@
               <a:defRPr/>
             </a:pPr>
             <a:r>
-              <a:rPr lang="en-US" altLang="ko-KR" b="1" dirty="0" smtClean="0">
+              <a:rPr lang="en-US" altLang="ko-KR" b="1" dirty="0">
                 <a:ea typeface="Arial Unicode MS" pitchFamily="50" charset="-127"/>
               </a:rPr>
               <a:t>Phase diagram</a:t>
@@ -10581,14 +10796,18 @@
   <p:clrMapOvr>
     <a:masterClrMapping/>
   </p:clrMapOvr>
-  <p:transition spd="med"/>
-  <p:timing>
-    <p:tnLst>
-      <p:par>
-        <p:cTn id="1" dur="indefinite" restart="never" nodeType="tmRoot"/>
-      </p:par>
-    </p:tnLst>
-  </p:timing>
+  <mc:AlternateContent xmlns:mc="http://schemas.openxmlformats.org/markup-compatibility/2006">
+    <mc:Choice xmlns:p159="http://schemas.microsoft.com/office/powerpoint/2015/09/main" Requires="p159">
+      <p:transition>
+        <p159:morph option="byChar"/>
+      </p:transition>
+    </mc:Choice>
+    <mc:Fallback>
+      <p:transition>
+        <p:fade/>
+      </p:transition>
+    </mc:Fallback>
+  </mc:AlternateContent>
 </p:sld>
 </file>
 
@@ -10625,10 +10844,10 @@
           <a:lstStyle/>
           <a:p>
             <a:r>
-              <a:rPr lang="en-US" altLang="ko-KR" dirty="0" smtClean="0"/>
+              <a:rPr lang="en-US" altLang="ko-KR" dirty="0"/>
               <a:t>Resonance</a:t>
             </a:r>
-            <a:endParaRPr lang="ko-KR" altLang="en-US" dirty="0" smtClean="0"/>
+            <a:endParaRPr lang="ko-KR" altLang="en-US" dirty="0"/>
           </a:p>
         </p:txBody>
       </p:sp>
@@ -10652,29 +10871,20 @@
               <a:defRPr/>
             </a:pPr>
             <a:r>
-              <a:rPr lang="en-US" altLang="ko-KR" b="1" i="1" dirty="0" smtClean="0">
+              <a:rPr lang="en-US" altLang="ko-KR" b="1" i="1" dirty="0">
                 <a:solidFill>
                   <a:srgbClr val="A50021"/>
                 </a:solidFill>
                 <a:ea typeface="Arial Unicode MS" pitchFamily="50" charset="-127"/>
               </a:rPr>
-              <a:t>Quality </a:t>
-            </a:r>
-            <a:r>
-              <a:rPr lang="en-US" altLang="ko-KR" b="1" i="1" dirty="0" smtClean="0">
-                <a:solidFill>
-                  <a:srgbClr val="A50021"/>
-                </a:solidFill>
-                <a:ea typeface="Arial Unicode MS" pitchFamily="50" charset="-127"/>
-              </a:rPr>
-              <a:t>factor </a:t>
+              <a:t>Quality factor </a:t>
             </a:r>
           </a:p>
           <a:p>
             <a:pPr>
               <a:defRPr/>
             </a:pPr>
-            <a:endParaRPr lang="en-US" altLang="ko-KR" dirty="0" smtClean="0">
+            <a:endParaRPr lang="en-US" altLang="ko-KR" dirty="0">
               <a:ea typeface="Arial Unicode MS" pitchFamily="50" charset="-127"/>
             </a:endParaRPr>
           </a:p>
@@ -10683,42 +10893,39 @@
               <a:defRPr/>
             </a:pPr>
             <a:r>
-              <a:rPr lang="en-US" altLang="ko-KR" dirty="0" smtClean="0">
+              <a:rPr lang="en-US" altLang="ko-KR" dirty="0">
                 <a:ea typeface="Arial Unicode MS" pitchFamily="50" charset="-127"/>
               </a:rPr>
               <a:t>                   for series                                         </a:t>
             </a:r>
             <a:br>
-              <a:rPr lang="en-US" altLang="ko-KR" dirty="0" smtClean="0">
+              <a:rPr lang="en-US" altLang="ko-KR" dirty="0">
                 <a:ea typeface="Arial Unicode MS" pitchFamily="50" charset="-127"/>
               </a:rPr>
             </a:br>
             <a:r>
-              <a:rPr lang="en-US" altLang="ko-KR" dirty="0" smtClean="0">
+              <a:rPr lang="en-US" altLang="ko-KR" dirty="0">
                 <a:ea typeface="Arial Unicode MS" pitchFamily="50" charset="-127"/>
               </a:rPr>
               <a:t> </a:t>
             </a:r>
             <a:br>
-              <a:rPr lang="en-US" altLang="ko-KR" dirty="0" smtClean="0">
+              <a:rPr lang="en-US" altLang="ko-KR" dirty="0">
                 <a:ea typeface="Arial Unicode MS" pitchFamily="50" charset="-127"/>
               </a:rPr>
             </a:br>
             <a:r>
-              <a:rPr lang="en-US" altLang="ko-KR" dirty="0" smtClean="0">
+              <a:rPr lang="en-US" altLang="ko-KR" dirty="0">
                 <a:ea typeface="Arial Unicode MS" pitchFamily="50" charset="-127"/>
               </a:rPr>
               <a:t>                   for parallel  </a:t>
             </a:r>
-            <a:endParaRPr lang="en-US" altLang="ko-KR" dirty="0">
-              <a:ea typeface="Arial Unicode MS" pitchFamily="50" charset="-127"/>
-            </a:endParaRPr>
           </a:p>
           <a:p>
             <a:pPr>
               <a:defRPr/>
             </a:pPr>
-            <a:endParaRPr lang="en-US" altLang="ko-KR" dirty="0" smtClean="0">
+            <a:endParaRPr lang="en-US" altLang="ko-KR" dirty="0">
               <a:ea typeface="Arial Unicode MS" pitchFamily="50" charset="-127"/>
             </a:endParaRPr>
           </a:p>
@@ -10836,14 +11043,18 @@
   <p:clrMapOvr>
     <a:masterClrMapping/>
   </p:clrMapOvr>
-  <p:transition spd="med"/>
-  <p:timing>
-    <p:tnLst>
-      <p:par>
-        <p:cTn id="1" dur="indefinite" restart="never" nodeType="tmRoot"/>
-      </p:par>
-    </p:tnLst>
-  </p:timing>
+  <mc:AlternateContent xmlns:mc="http://schemas.openxmlformats.org/markup-compatibility/2006">
+    <mc:Choice xmlns:p159="http://schemas.microsoft.com/office/powerpoint/2015/09/main" Requires="p159">
+      <p:transition>
+        <p159:morph option="byChar"/>
+      </p:transition>
+    </mc:Choice>
+    <mc:Fallback>
+      <p:transition>
+        <p:fade/>
+      </p:transition>
+    </mc:Fallback>
+  </mc:AlternateContent>
 </p:sld>
 </file>
 
@@ -10880,10 +11091,10 @@
           <a:lstStyle/>
           <a:p>
             <a:r>
-              <a:rPr lang="en-US" altLang="ko-KR" dirty="0" smtClean="0"/>
+              <a:rPr lang="en-US" altLang="ko-KR" dirty="0"/>
               <a:t>Resonance</a:t>
             </a:r>
-            <a:endParaRPr lang="ko-KR" altLang="en-US" dirty="0" smtClean="0"/>
+            <a:endParaRPr lang="ko-KR" altLang="en-US" dirty="0"/>
           </a:p>
         </p:txBody>
       </p:sp>
@@ -10912,35 +11123,20 @@
               <a:defRPr/>
             </a:pPr>
             <a:r>
-              <a:rPr lang="en-US" altLang="ko-KR" b="1" dirty="0" smtClean="0">
+              <a:rPr lang="en-US" altLang="ko-KR" b="1" dirty="0">
                 <a:solidFill>
                   <a:srgbClr val="A50021"/>
                 </a:solidFill>
                 <a:ea typeface="Arial Unicode MS" pitchFamily="50" charset="-127"/>
               </a:rPr>
-              <a:t>Example </a:t>
-            </a:r>
-            <a:r>
-              <a:rPr lang="en-US" altLang="ko-KR" b="1" dirty="0" smtClean="0">
-                <a:solidFill>
-                  <a:srgbClr val="A50021"/>
-                </a:solidFill>
-                <a:ea typeface="Arial Unicode MS" pitchFamily="50" charset="-127"/>
-              </a:rPr>
-              <a:t>6.13 AM</a:t>
-            </a:r>
-            <a:endParaRPr lang="en-US" altLang="ko-KR" b="1" dirty="0" smtClean="0">
-              <a:solidFill>
-                <a:srgbClr val="A50021"/>
-              </a:solidFill>
-              <a:ea typeface="Arial Unicode MS" pitchFamily="50" charset="-127"/>
-            </a:endParaRPr>
+              <a:t>Example 6.13 AM</a:t>
+            </a:r>
           </a:p>
           <a:p>
             <a:pPr>
               <a:defRPr/>
             </a:pPr>
-            <a:endParaRPr lang="en-US" altLang="ko-KR" b="1" dirty="0" smtClean="0">
+            <a:endParaRPr lang="en-US" altLang="ko-KR" b="1" dirty="0">
               <a:ea typeface="Arial Unicode MS" pitchFamily="50" charset="-127"/>
             </a:endParaRPr>
           </a:p>
@@ -10956,7 +11152,7 @@
             <a:pPr lvl="1">
               <a:defRPr/>
             </a:pPr>
-            <a:endParaRPr lang="en-US" altLang="ko-KR" b="1" dirty="0" smtClean="0">
+            <a:endParaRPr lang="en-US" altLang="ko-KR" b="1" dirty="0">
               <a:ea typeface="Arial Unicode MS" pitchFamily="50" charset="-127"/>
             </a:endParaRPr>
           </a:p>
@@ -10972,7 +11168,7 @@
             <a:pPr lvl="1">
               <a:defRPr/>
             </a:pPr>
-            <a:endParaRPr lang="en-US" altLang="ko-KR" b="1" dirty="0" smtClean="0">
+            <a:endParaRPr lang="en-US" altLang="ko-KR" b="1" dirty="0">
               <a:ea typeface="Arial Unicode MS" pitchFamily="50" charset="-127"/>
             </a:endParaRPr>
           </a:p>
@@ -11018,14 +11214,18 @@
   <p:clrMapOvr>
     <a:masterClrMapping/>
   </p:clrMapOvr>
-  <p:transition spd="med"/>
-  <p:timing>
-    <p:tnLst>
-      <p:par>
-        <p:cTn id="1" dur="indefinite" restart="never" nodeType="tmRoot"/>
-      </p:par>
-    </p:tnLst>
-  </p:timing>
+  <mc:AlternateContent xmlns:mc="http://schemas.openxmlformats.org/markup-compatibility/2006">
+    <mc:Choice xmlns:p159="http://schemas.microsoft.com/office/powerpoint/2015/09/main" Requires="p159">
+      <p:transition>
+        <p159:morph option="byChar"/>
+      </p:transition>
+    </mc:Choice>
+    <mc:Fallback>
+      <p:transition>
+        <p:fade/>
+      </p:transition>
+    </mc:Fallback>
+  </mc:AlternateContent>
 </p:sld>
 </file>
 
@@ -11062,10 +11262,10 @@
           <a:lstStyle/>
           <a:p>
             <a:r>
-              <a:rPr lang="en-US" altLang="ko-KR" dirty="0" smtClean="0"/>
+              <a:rPr lang="en-US" altLang="ko-KR" dirty="0"/>
               <a:t>Resonance</a:t>
             </a:r>
-            <a:endParaRPr lang="ko-KR" altLang="en-US" dirty="0" smtClean="0"/>
+            <a:endParaRPr lang="ko-KR" altLang="en-US" dirty="0"/>
           </a:p>
         </p:txBody>
       </p:sp>
@@ -11094,51 +11294,25 @@
               <a:defRPr/>
             </a:pPr>
             <a:r>
-              <a:rPr lang="en-US" altLang="ko-KR" b="1" dirty="0" smtClean="0">
+              <a:rPr lang="en-US" altLang="ko-KR" b="1" dirty="0">
                 <a:solidFill>
                   <a:srgbClr val="A50021"/>
                 </a:solidFill>
                 <a:ea typeface="Arial Unicode MS" pitchFamily="50" charset="-127"/>
               </a:rPr>
-              <a:t>Example </a:t>
-            </a:r>
-            <a:r>
-              <a:rPr lang="en-US" altLang="ko-KR" b="1" dirty="0" smtClean="0">
-                <a:solidFill>
-                  <a:srgbClr val="A50021"/>
-                </a:solidFill>
-                <a:ea typeface="Arial Unicode MS" pitchFamily="50" charset="-127"/>
-              </a:rPr>
-              <a:t>6.13 AM(continue)</a:t>
-            </a:r>
-            <a:endParaRPr lang="en-US" altLang="ko-KR" b="1" dirty="0" smtClean="0">
-              <a:solidFill>
-                <a:srgbClr val="A50021"/>
-              </a:solidFill>
-              <a:ea typeface="Arial Unicode MS" pitchFamily="50" charset="-127"/>
-            </a:endParaRPr>
+              <a:t>Example 6.13 AM(continue)</a:t>
+            </a:r>
           </a:p>
           <a:p>
             <a:pPr>
               <a:defRPr/>
             </a:pPr>
             <a:r>
-              <a:rPr lang="en-US" altLang="ko-KR" b="1" dirty="0" smtClean="0">
+              <a:rPr lang="en-US" altLang="ko-KR" b="1" dirty="0">
                 <a:ea typeface="Arial Unicode MS" pitchFamily="50" charset="-127"/>
               </a:rPr>
               <a:t>Here</a:t>
             </a:r>
-            <a:endParaRPr lang="en-US" altLang="ko-KR" b="1" dirty="0">
-              <a:ea typeface="Arial Unicode MS" pitchFamily="50" charset="-127"/>
-            </a:endParaRPr>
-          </a:p>
-          <a:p>
-            <a:pPr lvl="1">
-              <a:defRPr/>
-            </a:pPr>
-            <a:endParaRPr lang="en-US" altLang="ko-KR" b="1" dirty="0" smtClean="0">
-              <a:ea typeface="Arial Unicode MS" pitchFamily="50" charset="-127"/>
-            </a:endParaRPr>
           </a:p>
           <a:p>
             <a:pPr lvl="1">
@@ -11152,7 +11326,15 @@
             <a:pPr lvl="1">
               <a:defRPr/>
             </a:pPr>
-            <a:endParaRPr lang="en-US" altLang="ko-KR" b="1" dirty="0" smtClean="0">
+            <a:endParaRPr lang="en-US" altLang="ko-KR" b="1" dirty="0">
+              <a:ea typeface="Arial Unicode MS" pitchFamily="50" charset="-127"/>
+            </a:endParaRPr>
+          </a:p>
+          <a:p>
+            <a:pPr lvl="1">
+              <a:defRPr/>
+            </a:pPr>
+            <a:endParaRPr lang="en-US" altLang="ko-KR" b="1" dirty="0">
               <a:ea typeface="Arial Unicode MS" pitchFamily="50" charset="-127"/>
             </a:endParaRPr>
           </a:p>
@@ -11246,14 +11428,18 @@
   <p:clrMapOvr>
     <a:masterClrMapping/>
   </p:clrMapOvr>
-  <p:transition spd="med"/>
-  <p:timing>
-    <p:tnLst>
-      <p:par>
-        <p:cTn id="1" dur="indefinite" restart="never" nodeType="tmRoot"/>
-      </p:par>
-    </p:tnLst>
-  </p:timing>
+  <mc:AlternateContent xmlns:mc="http://schemas.openxmlformats.org/markup-compatibility/2006">
+    <mc:Choice xmlns:p159="http://schemas.microsoft.com/office/powerpoint/2015/09/main" Requires="p159">
+      <p:transition>
+        <p159:morph option="byChar"/>
+      </p:transition>
+    </mc:Choice>
+    <mc:Fallback>
+      <p:transition>
+        <p:fade/>
+      </p:transition>
+    </mc:Fallback>
+  </mc:AlternateContent>
 </p:sld>
 </file>
 
@@ -11290,10 +11476,10 @@
           <a:lstStyle/>
           <a:p>
             <a:r>
-              <a:rPr lang="en-US" altLang="ko-KR" sz="2400" smtClean="0"/>
+              <a:rPr lang="en-US" altLang="ko-KR" sz="2400"/>
               <a:t>Homework</a:t>
             </a:r>
-            <a:endParaRPr lang="ko-KR" altLang="en-US" sz="2400" smtClean="0"/>
+            <a:endParaRPr lang="ko-KR" altLang="en-US" sz="2400"/>
           </a:p>
         </p:txBody>
       </p:sp>
@@ -11326,7 +11512,7 @@
               <a:defRPr/>
             </a:pPr>
             <a:r>
-              <a:rPr lang="en-US" altLang="ko-KR" sz="3200" dirty="0" smtClean="0">
+              <a:rPr lang="en-US" altLang="ko-KR" sz="3200" dirty="0">
                 <a:solidFill>
                   <a:srgbClr val="0070C0"/>
                 </a:solidFill>
@@ -11348,25 +11534,17 @@
                   <a:srgbClr val="A50021"/>
                 </a:solidFill>
               </a:rPr>
-              <a:t>Solve </a:t>
-            </a:r>
-            <a:r>
-              <a:rPr lang="en-US" altLang="ko-KR" sz="2000" b="1" i="1" smtClean="0">
-                <a:solidFill>
-                  <a:srgbClr val="A50021"/>
-                </a:solidFill>
-              </a:rPr>
-              <a:t>Problem </a:t>
-            </a:r>
-            <a:r>
-              <a:rPr lang="en-US" altLang="ko-KR" sz="2000" b="1" i="1" dirty="0" smtClean="0">
+              <a:t>Solve Problem </a:t>
+            </a:r>
+            <a:r>
+              <a:rPr lang="en-US" altLang="ko-KR" sz="2000" b="1" i="1" dirty="0">
                 <a:solidFill>
                   <a:srgbClr val="A50021"/>
                 </a:solidFill>
               </a:rPr>
               <a:t>6.28</a:t>
             </a:r>
-            <a:endParaRPr lang="en-US" altLang="ko-KR" sz="2000" b="1" dirty="0" smtClean="0"/>
+            <a:endParaRPr lang="en-US" altLang="ko-KR" sz="2000" b="1" dirty="0"/>
           </a:p>
           <a:p>
             <a:pPr eaLnBrk="1" hangingPunct="1">
@@ -11376,18 +11554,9 @@
               <a:defRPr/>
             </a:pPr>
             <a:r>
-              <a:rPr lang="en-US" altLang="ko-KR" sz="2000" b="1" dirty="0" smtClean="0"/>
-              <a:t>Read </a:t>
-            </a:r>
-            <a:r>
-              <a:rPr lang="en-US" altLang="ko-KR" sz="2000" b="1" dirty="0" smtClean="0"/>
-              <a:t>Text Chapter </a:t>
-            </a:r>
-            <a:r>
-              <a:rPr lang="en-US" altLang="ko-KR" sz="2000" b="1" dirty="0" smtClean="0"/>
-              <a:t>9. </a:t>
-            </a:r>
-            <a:endParaRPr lang="en-US" altLang="ko-KR" sz="2000" b="1" dirty="0" smtClean="0"/>
+              <a:rPr lang="en-US" altLang="ko-KR" sz="2000" b="1" dirty="0"/>
+              <a:t>Read Text Chapter 9. </a:t>
+            </a:r>
           </a:p>
           <a:p>
             <a:pPr eaLnBrk="1" hangingPunct="1">
@@ -11397,7 +11566,7 @@
               <a:defRPr/>
             </a:pPr>
             <a:r>
-              <a:rPr lang="en-US" altLang="ko-KR" sz="2000" b="1" dirty="0" smtClean="0"/>
+              <a:rPr lang="en-US" altLang="ko-KR" sz="2000" b="1" dirty="0"/>
               <a:t>Prepare Presentation</a:t>
             </a:r>
           </a:p>
@@ -11405,7 +11574,7 @@
             <a:pPr>
               <a:defRPr/>
             </a:pPr>
-            <a:endParaRPr lang="ko-KR" altLang="en-US" sz="2000" dirty="0" smtClean="0"/>
+            <a:endParaRPr lang="ko-KR" altLang="en-US" sz="2000" dirty="0"/>
           </a:p>
         </p:txBody>
       </p:sp>
@@ -11414,14 +11583,18 @@
   <p:clrMapOvr>
     <a:masterClrMapping/>
   </p:clrMapOvr>
-  <p:transition spd="med"/>
-  <p:timing>
-    <p:tnLst>
-      <p:par>
-        <p:cTn id="1" dur="indefinite" restart="never" nodeType="tmRoot"/>
-      </p:par>
-    </p:tnLst>
-  </p:timing>
+  <mc:AlternateContent xmlns:mc="http://schemas.openxmlformats.org/markup-compatibility/2006">
+    <mc:Choice xmlns:p159="http://schemas.microsoft.com/office/powerpoint/2015/09/main" Requires="p159">
+      <p:transition>
+        <p159:morph option="byChar"/>
+      </p:transition>
+    </mc:Choice>
+    <mc:Fallback>
+      <p:transition>
+        <p:fade/>
+      </p:transition>
+    </mc:Fallback>
+  </mc:AlternateContent>
 </p:sld>
 </file>
 
@@ -11462,7 +11635,7 @@
               <a:rPr lang="en-US" altLang="ko-KR" sz="2400" dirty="0"/>
               <a:t>Learning Objectives</a:t>
             </a:r>
-            <a:endParaRPr lang="ko-KR" altLang="en-US" sz="2400" dirty="0" smtClean="0"/>
+            <a:endParaRPr lang="ko-KR" altLang="en-US" sz="2400" dirty="0"/>
           </a:p>
         </p:txBody>
       </p:sp>
@@ -11491,22 +11664,13 @@
               <a:defRPr/>
             </a:pPr>
             <a:r>
-              <a:rPr lang="en-US" altLang="ko-KR" sz="2800" b="1" dirty="0" smtClean="0">
-                <a:solidFill>
-                  <a:srgbClr val="0070C0"/>
-                </a:solidFill>
-                <a:ea typeface="Microsoft Sans Serif" panose="020B0604020202020204" pitchFamily="34" charset="0"/>
-              </a:rPr>
-              <a:t>Learning </a:t>
-            </a:r>
-            <a:r>
               <a:rPr lang="en-US" altLang="ko-KR" sz="2800" b="1" dirty="0">
                 <a:solidFill>
                   <a:srgbClr val="0070C0"/>
                 </a:solidFill>
                 <a:ea typeface="Microsoft Sans Serif" panose="020B0604020202020204" pitchFamily="34" charset="0"/>
               </a:rPr>
-              <a:t>Objectives </a:t>
+              <a:t>Learning Objectives </a:t>
             </a:r>
           </a:p>
           <a:p>
@@ -11520,16 +11684,10 @@
               <a:rPr lang="en-US" altLang="ko-KR" b="1" dirty="0">
                 <a:ea typeface="Microsoft Sans Serif" panose="020B0604020202020204" pitchFamily="34" charset="0"/>
               </a:rPr>
-              <a:t>To </a:t>
-            </a:r>
-            <a:r>
-              <a:rPr lang="en-US" altLang="ko-KR" b="1" dirty="0" smtClean="0">
-                <a:ea typeface="Microsoft Sans Serif" panose="020B0604020202020204" pitchFamily="34" charset="0"/>
-              </a:rPr>
-              <a:t>understand the concept of </a:t>
-            </a:r>
-            <a:r>
-              <a:rPr lang="en-US" altLang="ko-KR" b="1" dirty="0" smtClean="0">
+              <a:t>To understand the concept of </a:t>
+            </a:r>
+            <a:r>
+              <a:rPr lang="en-US" altLang="ko-KR" b="1" dirty="0">
                 <a:solidFill>
                   <a:srgbClr val="A50021"/>
                 </a:solidFill>
@@ -11546,13 +11704,13 @@
               <a:defRPr/>
             </a:pPr>
             <a:r>
-              <a:rPr lang="en-US" altLang="ko-KR" b="1" dirty="0" smtClean="0">
+              <a:rPr lang="en-US" altLang="ko-KR" b="1" dirty="0">
                 <a:ea typeface="Microsoft Sans Serif" panose="020B0604020202020204" pitchFamily="34" charset="0"/>
               </a:rPr>
               <a:t>To learn the basics of passive filter, including </a:t>
             </a:r>
             <a:r>
-              <a:rPr lang="en-US" altLang="ko-KR" b="1" dirty="0" smtClean="0">
+              <a:rPr lang="en-US" altLang="ko-KR" b="1" dirty="0">
                 <a:solidFill>
                   <a:srgbClr val="A50021"/>
                 </a:solidFill>
@@ -11569,13 +11727,13 @@
               <a:defRPr/>
             </a:pPr>
             <a:r>
-              <a:rPr lang="en-US" altLang="ko-KR" b="1" dirty="0" smtClean="0">
+              <a:rPr lang="en-US" altLang="ko-KR" b="1" dirty="0">
                 <a:ea typeface="Microsoft Sans Serif" panose="020B0604020202020204" pitchFamily="34" charset="0"/>
               </a:rPr>
               <a:t>To understand the importance of </a:t>
             </a:r>
             <a:r>
-              <a:rPr lang="en-US" altLang="ko-KR" b="1" dirty="0" smtClean="0">
+              <a:rPr lang="en-US" altLang="ko-KR" b="1" dirty="0">
                 <a:solidFill>
                   <a:srgbClr val="A50021"/>
                 </a:solidFill>
@@ -11584,13 +11742,13 @@
               <a:t>resonance</a:t>
             </a:r>
             <a:r>
-              <a:rPr lang="en-US" altLang="ko-KR" b="1" dirty="0" smtClean="0">
+              <a:rPr lang="en-US" altLang="ko-KR" b="1" dirty="0">
                 <a:ea typeface="Microsoft Sans Serif" panose="020B0604020202020204" pitchFamily="34" charset="0"/>
               </a:rPr>
               <a:t> and be able to analyze </a:t>
             </a:r>
             <a:r>
-              <a:rPr lang="en-US" altLang="ko-KR" b="1" dirty="0" smtClean="0">
+              <a:rPr lang="en-US" altLang="ko-KR" b="1" dirty="0">
                 <a:solidFill>
                   <a:srgbClr val="A50021"/>
                 </a:solidFill>
@@ -11599,7 +11757,7 @@
               <a:t>resonant circuits</a:t>
             </a:r>
             <a:r>
-              <a:rPr lang="en-US" altLang="ko-KR" b="1" dirty="0" smtClean="0">
+              <a:rPr lang="en-US" altLang="ko-KR" b="1" dirty="0">
                 <a:ea typeface="Microsoft Sans Serif" panose="020B0604020202020204" pitchFamily="34" charset="0"/>
               </a:rPr>
               <a:t>, both series and parallel.</a:t>
@@ -11612,14 +11770,18 @@
   <p:clrMapOvr>
     <a:masterClrMapping/>
   </p:clrMapOvr>
-  <p:transition spd="med"/>
-  <p:timing>
-    <p:tnLst>
-      <p:par>
-        <p:cTn id="1" dur="indefinite" restart="never" nodeType="tmRoot"/>
-      </p:par>
-    </p:tnLst>
-  </p:timing>
+  <mc:AlternateContent xmlns:mc="http://schemas.openxmlformats.org/markup-compatibility/2006">
+    <mc:Choice xmlns:p159="http://schemas.microsoft.com/office/powerpoint/2015/09/main" Requires="p159">
+      <p:transition>
+        <p159:morph option="byChar"/>
+      </p:transition>
+    </mc:Choice>
+    <mc:Fallback>
+      <p:transition>
+        <p:fade/>
+      </p:transition>
+    </mc:Fallback>
+  </mc:AlternateContent>
 </p:sld>
 </file>
 
@@ -11656,10 +11818,10 @@
           <a:lstStyle/>
           <a:p>
             <a:r>
-              <a:rPr lang="en-US" altLang="ko-KR" dirty="0" smtClean="0"/>
+              <a:rPr lang="en-US" altLang="ko-KR" dirty="0"/>
               <a:t>Sinusoidal Frequency Response</a:t>
             </a:r>
-            <a:endParaRPr lang="ko-KR" altLang="en-US" dirty="0" smtClean="0"/>
+            <a:endParaRPr lang="ko-KR" altLang="en-US" dirty="0"/>
           </a:p>
         </p:txBody>
       </p:sp>
@@ -11689,45 +11851,21 @@
               <a:defRPr/>
             </a:pPr>
             <a:r>
-              <a:rPr lang="en-US" altLang="ko-KR" sz="2800" b="1" dirty="0" smtClean="0">
-                <a:solidFill>
-                  <a:srgbClr val="0070C0"/>
-                </a:solidFill>
-                <a:ea typeface="Arial Unicode MS" pitchFamily="50" charset="-127"/>
-              </a:rPr>
-              <a:t>Sinusoidal </a:t>
-            </a:r>
-            <a:r>
               <a:rPr lang="en-US" altLang="ko-KR" sz="2800" b="1" dirty="0">
                 <a:solidFill>
                   <a:srgbClr val="0070C0"/>
                 </a:solidFill>
                 <a:ea typeface="Arial Unicode MS" pitchFamily="50" charset="-127"/>
               </a:rPr>
-              <a:t>Frequency </a:t>
-            </a:r>
-            <a:r>
-              <a:rPr lang="en-US" altLang="ko-KR" sz="2800" b="1" dirty="0" smtClean="0">
-                <a:solidFill>
-                  <a:srgbClr val="0070C0"/>
-                </a:solidFill>
-                <a:ea typeface="Arial Unicode MS" pitchFamily="50" charset="-127"/>
-              </a:rPr>
-              <a:t>Response</a:t>
-            </a:r>
-            <a:endParaRPr lang="en-US" altLang="ko-KR" sz="2800" b="1" dirty="0">
-              <a:solidFill>
-                <a:srgbClr val="0070C0"/>
-              </a:solidFill>
-              <a:ea typeface="Arial Unicode MS" pitchFamily="50" charset="-127"/>
-            </a:endParaRPr>
+              <a:t>Sinusoidal Frequency Response</a:t>
+            </a:r>
           </a:p>
           <a:p>
             <a:pPr>
               <a:defRPr/>
             </a:pPr>
             <a:r>
-              <a:rPr lang="en-US" altLang="ko-KR" b="1" dirty="0" smtClean="0">
+              <a:rPr lang="en-US" altLang="ko-KR" b="1" dirty="0">
                 <a:ea typeface="Arial Unicode MS" pitchFamily="50" charset="-127"/>
               </a:rPr>
               <a:t>Frequency response </a:t>
@@ -11738,7 +11876,7 @@
               <a:defRPr/>
             </a:pPr>
             <a:r>
-              <a:rPr lang="en-US" altLang="ko-KR" b="1" dirty="0" smtClean="0">
+              <a:rPr lang="en-US" altLang="ko-KR" b="1" dirty="0">
                 <a:ea typeface="Arial Unicode MS" pitchFamily="50" charset="-127"/>
               </a:rPr>
               <a:t>Output voltage</a:t>
@@ -11756,7 +11894,7 @@
             <a:pPr lvl="1">
               <a:defRPr/>
             </a:pPr>
-            <a:endParaRPr lang="en-US" altLang="ko-KR" b="1" dirty="0" smtClean="0">
+            <a:endParaRPr lang="en-US" altLang="ko-KR" b="1" dirty="0">
               <a:ea typeface="Arial Unicode MS" pitchFamily="50" charset="-127"/>
             </a:endParaRPr>
           </a:p>
@@ -11765,14 +11903,8 @@
               <a:buNone/>
               <a:defRPr/>
             </a:pPr>
-            <a:r>
-              <a:rPr lang="en-US" altLang="ko-KR" b="1" dirty="0" smtClean="0">
-                <a:ea typeface="Arial Unicode MS" pitchFamily="50" charset="-127"/>
-              </a:rPr>
-              <a:t/>
-            </a:r>
             <a:br>
-              <a:rPr lang="en-US" altLang="ko-KR" b="1" dirty="0" smtClean="0">
+              <a:rPr lang="en-US" altLang="ko-KR" b="1" dirty="0">
                 <a:ea typeface="Arial Unicode MS" pitchFamily="50" charset="-127"/>
               </a:rPr>
             </a:br>
@@ -11785,7 +11917,7 @@
               <a:defRPr/>
             </a:pPr>
             <a:r>
-              <a:rPr lang="en-US" altLang="ko-KR" b="1" dirty="0" smtClean="0">
+              <a:rPr lang="en-US" altLang="ko-KR" b="1" dirty="0">
                 <a:ea typeface="Arial Unicode MS" pitchFamily="50" charset="-127"/>
               </a:rPr>
               <a:t>Frequency transfer function</a:t>
@@ -11803,7 +11935,7 @@
             <a:pPr lvl="1">
               <a:defRPr/>
             </a:pPr>
-            <a:endParaRPr lang="en-US" altLang="ko-KR" b="1" dirty="0" smtClean="0">
+            <a:endParaRPr lang="en-US" altLang="ko-KR" b="1" dirty="0">
               <a:ea typeface="Arial Unicode MS" pitchFamily="50" charset="-127"/>
             </a:endParaRPr>
           </a:p>
@@ -11819,7 +11951,7 @@
             <a:pPr lvl="1">
               <a:defRPr/>
             </a:pPr>
-            <a:endParaRPr lang="en-US" altLang="ko-KR" b="1" dirty="0" smtClean="0">
+            <a:endParaRPr lang="en-US" altLang="ko-KR" b="1" dirty="0">
               <a:ea typeface="Arial Unicode MS" pitchFamily="50" charset="-127"/>
             </a:endParaRPr>
           </a:p>
@@ -11937,14 +12069,18 @@
   <p:clrMapOvr>
     <a:masterClrMapping/>
   </p:clrMapOvr>
-  <p:transition spd="med"/>
-  <p:timing>
-    <p:tnLst>
-      <p:par>
-        <p:cTn id="1" dur="indefinite" restart="never" nodeType="tmRoot"/>
-      </p:par>
-    </p:tnLst>
-  </p:timing>
+  <mc:AlternateContent xmlns:mc="http://schemas.openxmlformats.org/markup-compatibility/2006">
+    <mc:Choice xmlns:p159="http://schemas.microsoft.com/office/powerpoint/2015/09/main" Requires="p159">
+      <p:transition>
+        <p159:morph option="byChar"/>
+      </p:transition>
+    </mc:Choice>
+    <mc:Fallback>
+      <p:transition>
+        <p:fade/>
+      </p:transition>
+    </mc:Fallback>
+  </mc:AlternateContent>
 </p:sld>
 </file>
 
@@ -11984,7 +12120,7 @@
               <a:rPr lang="en-US" altLang="ko-KR" dirty="0"/>
               <a:t>Sinusoidal Frequency Response</a:t>
             </a:r>
-            <a:endParaRPr lang="ko-KR" altLang="en-US" dirty="0" smtClean="0"/>
+            <a:endParaRPr lang="ko-KR" altLang="en-US" dirty="0"/>
           </a:p>
         </p:txBody>
       </p:sp>
@@ -12007,7 +12143,7 @@
               <a:defRPr/>
             </a:pPr>
             <a:r>
-              <a:rPr lang="en-US" altLang="ko-KR" b="1" dirty="0" smtClean="0">
+              <a:rPr lang="en-US" altLang="ko-KR" b="1" dirty="0">
                 <a:ea typeface="Arial Unicode MS" pitchFamily="50" charset="-127"/>
               </a:rPr>
               <a:t>General form of a transfer function</a:t>
@@ -12025,7 +12161,7 @@
             <a:pPr>
               <a:defRPr/>
             </a:pPr>
-            <a:endParaRPr lang="en-US" altLang="ko-KR" b="1" dirty="0" smtClean="0">
+            <a:endParaRPr lang="en-US" altLang="ko-KR" b="1" dirty="0">
               <a:ea typeface="Arial Unicode MS" pitchFamily="50" charset="-127"/>
             </a:endParaRPr>
           </a:p>
@@ -12041,7 +12177,7 @@
             <a:pPr>
               <a:defRPr/>
             </a:pPr>
-            <a:endParaRPr lang="en-US" altLang="ko-KR" b="1" dirty="0" smtClean="0">
+            <a:endParaRPr lang="en-US" altLang="ko-KR" b="1" dirty="0">
               <a:ea typeface="Arial Unicode MS" pitchFamily="50" charset="-127"/>
             </a:endParaRPr>
           </a:p>
@@ -12050,7 +12186,7 @@
               <a:defRPr/>
             </a:pPr>
             <a:r>
-              <a:rPr lang="en-US" altLang="ko-KR" b="1" dirty="0" smtClean="0">
+              <a:rPr lang="en-US" altLang="ko-KR" b="1" dirty="0">
                 <a:ea typeface="Arial Unicode MS" pitchFamily="50" charset="-127"/>
               </a:rPr>
               <a:t>Poles and zeros</a:t>
@@ -12068,7 +12204,7 @@
             <a:pPr>
               <a:defRPr/>
             </a:pPr>
-            <a:endParaRPr lang="en-US" altLang="ko-KR" b="1" dirty="0" smtClean="0">
+            <a:endParaRPr lang="en-US" altLang="ko-KR" b="1" dirty="0">
               <a:ea typeface="Arial Unicode MS" pitchFamily="50" charset="-127"/>
             </a:endParaRPr>
           </a:p>
@@ -12085,28 +12221,22 @@
               <a:defRPr/>
             </a:pPr>
             <a:r>
-              <a:rPr lang="en-US" altLang="ko-KR" b="1" dirty="0" smtClean="0">
+              <a:rPr lang="en-US" altLang="ko-KR" b="1" dirty="0">
                 <a:ea typeface="Arial Unicode MS" pitchFamily="50" charset="-127"/>
               </a:rPr>
               <a:t>the dynamic properties of a system can be gleaned from poles.</a:t>
             </a:r>
             <a:br>
-              <a:rPr lang="en-US" altLang="ko-KR" b="1" dirty="0" smtClean="0">
+              <a:rPr lang="en-US" altLang="ko-KR" b="1" dirty="0">
                 <a:ea typeface="Arial Unicode MS" pitchFamily="50" charset="-127"/>
               </a:rPr>
             </a:br>
-            <a:r>
-              <a:rPr lang="en-US" altLang="ko-KR" b="1" dirty="0" smtClean="0">
-                <a:ea typeface="Arial Unicode MS" pitchFamily="50" charset="-127"/>
-              </a:rPr>
-              <a:t/>
-            </a:r>
             <a:br>
-              <a:rPr lang="en-US" altLang="ko-KR" b="1" dirty="0" smtClean="0">
+              <a:rPr lang="en-US" altLang="ko-KR" b="1" dirty="0">
                 <a:ea typeface="Arial Unicode MS" pitchFamily="50" charset="-127"/>
               </a:rPr>
             </a:br>
-            <a:endParaRPr lang="en-US" altLang="ko-KR" b="1" dirty="0" smtClean="0">
+            <a:endParaRPr lang="en-US" altLang="ko-KR" b="1" dirty="0">
               <a:ea typeface="Arial Unicode MS" pitchFamily="50" charset="-127"/>
             </a:endParaRPr>
           </a:p>
@@ -12134,12 +12264,12 @@
           <a:graphicData uri="http://schemas.openxmlformats.org/presentationml/2006/ole">
             <mc:AlternateContent xmlns:mc="http://schemas.openxmlformats.org/markup-compatibility/2006">
               <mc:Choice xmlns:v="urn:schemas-microsoft-com:vml" Requires="v">
-                <p:oleObj spid="_x0000_s54292" name="Equation" r:id="rId3" imgW="3670300" imgH="533400" progId="Equation.DSMT4">
+                <p:oleObj name="Equation" r:id="rId2" imgW="3670300" imgH="533400" progId="Equation.DSMT4">
                   <p:embed/>
                 </p:oleObj>
               </mc:Choice>
               <mc:Fallback>
-                <p:oleObj name="Equation" r:id="rId3" imgW="3670300" imgH="533400" progId="Equation.DSMT4">
+                <p:oleObj name="Equation" r:id="rId2" imgW="3670300" imgH="533400" progId="Equation.DSMT4">
                   <p:embed/>
                   <p:pic>
                     <p:nvPicPr>
@@ -12150,7 +12280,7 @@
                       <p:nvPr/>
                     </p:nvPicPr>
                     <p:blipFill>
-                      <a:blip r:embed="rId4">
+                      <a:blip r:embed="rId3">
                         <a:extLst>
                           <a:ext uri="{28A0092B-C50C-407E-A947-70E740481C1C}">
                             <a14:useLocalDpi xmlns:a14="http://schemas.microsoft.com/office/drawing/2010/main" val="0"/>
@@ -12204,12 +12334,12 @@
           <a:graphicData uri="http://schemas.openxmlformats.org/presentationml/2006/ole">
             <mc:AlternateContent xmlns:mc="http://schemas.openxmlformats.org/markup-compatibility/2006">
               <mc:Choice xmlns:v="urn:schemas-microsoft-com:vml" Requires="v">
-                <p:oleObj spid="_x0000_s54293" name="Equation" r:id="rId5" imgW="2730500" imgH="469900" progId="Equation.DSMT4">
+                <p:oleObj name="Equation" r:id="rId4" imgW="2730500" imgH="469900" progId="Equation.DSMT4">
                   <p:embed/>
                 </p:oleObj>
               </mc:Choice>
               <mc:Fallback>
-                <p:oleObj name="Equation" r:id="rId5" imgW="2730500" imgH="469900" progId="Equation.DSMT4">
+                <p:oleObj name="Equation" r:id="rId4" imgW="2730500" imgH="469900" progId="Equation.DSMT4">
                   <p:embed/>
                   <p:pic>
                     <p:nvPicPr>
@@ -12220,7 +12350,7 @@
                       <p:nvPr/>
                     </p:nvPicPr>
                     <p:blipFill>
-                      <a:blip r:embed="rId6">
+                      <a:blip r:embed="rId5">
                         <a:extLst>
                           <a:ext uri="{28A0092B-C50C-407E-A947-70E740481C1C}">
                             <a14:useLocalDpi xmlns:a14="http://schemas.microsoft.com/office/drawing/2010/main" val="0"/>
@@ -12262,14 +12392,18 @@
   <p:clrMapOvr>
     <a:masterClrMapping/>
   </p:clrMapOvr>
-  <p:transition spd="med"/>
-  <p:timing>
-    <p:tnLst>
-      <p:par>
-        <p:cTn id="1" dur="indefinite" restart="never" nodeType="tmRoot"/>
-      </p:par>
-    </p:tnLst>
-  </p:timing>
+  <mc:AlternateContent xmlns:mc="http://schemas.openxmlformats.org/markup-compatibility/2006">
+    <mc:Choice xmlns:p159="http://schemas.microsoft.com/office/powerpoint/2015/09/main" Requires="p159">
+      <p:transition>
+        <p159:morph option="byChar"/>
+      </p:transition>
+    </mc:Choice>
+    <mc:Fallback>
+      <p:transition>
+        <p:fade/>
+      </p:transition>
+    </mc:Fallback>
+  </mc:AlternateContent>
 </p:sld>
 </file>
 
@@ -12306,10 +12440,10 @@
           <a:lstStyle/>
           <a:p>
             <a:r>
-              <a:rPr lang="en-US" altLang="ko-KR" dirty="0" smtClean="0"/>
+              <a:rPr lang="en-US" altLang="ko-KR" dirty="0"/>
               <a:t>Passive Filter Networks</a:t>
             </a:r>
-            <a:endParaRPr lang="ko-KR" altLang="en-US" dirty="0" smtClean="0"/>
+            <a:endParaRPr lang="ko-KR" altLang="en-US" dirty="0"/>
           </a:p>
         </p:txBody>
       </p:sp>
@@ -12338,7 +12472,7 @@
               <a:defRPr/>
             </a:pPr>
             <a:r>
-              <a:rPr lang="en-US" altLang="ko-KR" sz="2800" b="1" dirty="0" smtClean="0">
+              <a:rPr lang="en-US" altLang="ko-KR" sz="2800" b="1" dirty="0">
                 <a:solidFill>
                   <a:srgbClr val="A50021"/>
                 </a:solidFill>
@@ -12352,7 +12486,7 @@
               <a:defRPr/>
             </a:pPr>
             <a:r>
-              <a:rPr lang="en-US" altLang="ko-KR" b="1" dirty="0" smtClean="0">
+              <a:rPr lang="en-US" altLang="ko-KR" b="1" dirty="0">
                 <a:ea typeface="Arial Unicode MS" pitchFamily="50" charset="-127"/>
               </a:rPr>
               <a:t>voltage gain</a:t>
@@ -12370,7 +12504,7 @@
             <a:pPr>
               <a:defRPr/>
             </a:pPr>
-            <a:endParaRPr lang="en-US" altLang="ko-KR" b="1" dirty="0" smtClean="0">
+            <a:endParaRPr lang="en-US" altLang="ko-KR" b="1" dirty="0">
               <a:ea typeface="Arial Unicode MS" pitchFamily="50" charset="-127"/>
             </a:endParaRPr>
           </a:p>
@@ -12379,7 +12513,7 @@
               <a:defRPr/>
             </a:pPr>
             <a:r>
-              <a:rPr lang="en-US" altLang="ko-KR" b="1" dirty="0" smtClean="0">
+              <a:rPr lang="en-US" altLang="ko-KR" b="1" dirty="0">
                 <a:ea typeface="Arial Unicode MS" pitchFamily="50" charset="-127"/>
               </a:rPr>
               <a:t>Frequency transfer function</a:t>
@@ -12397,7 +12531,7 @@
             <a:pPr>
               <a:defRPr/>
             </a:pPr>
-            <a:endParaRPr lang="en-US" altLang="ko-KR" b="1" dirty="0" smtClean="0">
+            <a:endParaRPr lang="en-US" altLang="ko-KR" b="1" dirty="0">
               <a:ea typeface="Arial Unicode MS" pitchFamily="50" charset="-127"/>
             </a:endParaRPr>
           </a:p>
@@ -12413,7 +12547,7 @@
             <a:pPr>
               <a:defRPr/>
             </a:pPr>
-            <a:endParaRPr lang="en-US" altLang="ko-KR" b="1" dirty="0" smtClean="0">
+            <a:endParaRPr lang="en-US" altLang="ko-KR" b="1" dirty="0">
               <a:ea typeface="Arial Unicode MS" pitchFamily="50" charset="-127"/>
             </a:endParaRPr>
           </a:p>
@@ -12427,7 +12561,7 @@
               </a:spcAft>
               <a:defRPr/>
             </a:pPr>
-            <a:endParaRPr lang="en-US" altLang="ko-KR" b="1" dirty="0" smtClean="0">
+            <a:endParaRPr lang="en-US" altLang="ko-KR" b="1" dirty="0">
               <a:ea typeface="Arial Unicode MS" pitchFamily="50" charset="-127"/>
             </a:endParaRPr>
           </a:p>
@@ -12436,17 +12570,17 @@
               <a:defRPr/>
             </a:pPr>
             <a:r>
-              <a:rPr lang="en-US" altLang="ko-KR" b="1" dirty="0" smtClean="0">
+              <a:rPr lang="en-US" altLang="ko-KR" b="1" dirty="0">
                 <a:ea typeface="Arial Unicode MS" pitchFamily="50" charset="-127"/>
               </a:rPr>
               <a:t>Half-power(break) frequency</a:t>
             </a:r>
             <a:br>
-              <a:rPr lang="en-US" altLang="ko-KR" b="1" dirty="0" smtClean="0">
+              <a:rPr lang="en-US" altLang="ko-KR" b="1" dirty="0">
                 <a:ea typeface="Arial Unicode MS" pitchFamily="50" charset="-127"/>
               </a:rPr>
             </a:br>
-            <a:endParaRPr lang="en-US" altLang="ko-KR" b="1" dirty="0" smtClean="0">
+            <a:endParaRPr lang="en-US" altLang="ko-KR" b="1" dirty="0">
               <a:ea typeface="Arial Unicode MS" pitchFamily="50" charset="-127"/>
             </a:endParaRPr>
           </a:p>
@@ -12474,12 +12608,12 @@
           <a:graphicData uri="http://schemas.openxmlformats.org/presentationml/2006/ole">
             <mc:AlternateContent xmlns:mc="http://schemas.openxmlformats.org/markup-compatibility/2006">
               <mc:Choice xmlns:v="urn:schemas-microsoft-com:vml" Requires="v">
-                <p:oleObj spid="_x0000_s55322" name="Equation" r:id="rId3" imgW="2362200" imgH="1549400" progId="Equation.DSMT4">
+                <p:oleObj name="Equation" r:id="rId2" imgW="2362200" imgH="1549400" progId="Equation.DSMT4">
                   <p:embed/>
                 </p:oleObj>
               </mc:Choice>
               <mc:Fallback>
-                <p:oleObj name="Equation" r:id="rId3" imgW="2362200" imgH="1549400" progId="Equation.DSMT4">
+                <p:oleObj name="Equation" r:id="rId2" imgW="2362200" imgH="1549400" progId="Equation.DSMT4">
                   <p:embed/>
                   <p:pic>
                     <p:nvPicPr>
@@ -12490,7 +12624,7 @@
                       <p:nvPr/>
                     </p:nvPicPr>
                     <p:blipFill>
-                      <a:blip r:embed="rId4">
+                      <a:blip r:embed="rId3">
                         <a:extLst>
                           <a:ext uri="{28A0092B-C50C-407E-A947-70E740481C1C}">
                             <a14:useLocalDpi xmlns:a14="http://schemas.microsoft.com/office/drawing/2010/main" val="0"/>
@@ -12544,12 +12678,12 @@
           <a:graphicData uri="http://schemas.openxmlformats.org/presentationml/2006/ole">
             <mc:AlternateContent xmlns:mc="http://schemas.openxmlformats.org/markup-compatibility/2006">
               <mc:Choice xmlns:v="urn:schemas-microsoft-com:vml" Requires="v">
-                <p:oleObj spid="_x0000_s55323" name="Equation" r:id="rId5" imgW="1294838" imgH="266584" progId="Equation.DSMT4">
+                <p:oleObj name="Equation" r:id="rId4" imgW="1294838" imgH="266584" progId="Equation.DSMT4">
                   <p:embed/>
                 </p:oleObj>
               </mc:Choice>
               <mc:Fallback>
-                <p:oleObj name="Equation" r:id="rId5" imgW="1294838" imgH="266584" progId="Equation.DSMT4">
+                <p:oleObj name="Equation" r:id="rId4" imgW="1294838" imgH="266584" progId="Equation.DSMT4">
                   <p:embed/>
                   <p:pic>
                     <p:nvPicPr>
@@ -12560,7 +12694,7 @@
                       <p:nvPr/>
                     </p:nvPicPr>
                     <p:blipFill>
-                      <a:blip r:embed="rId6">
+                      <a:blip r:embed="rId5">
                         <a:extLst>
                           <a:ext uri="{28A0092B-C50C-407E-A947-70E740481C1C}">
                             <a14:useLocalDpi xmlns:a14="http://schemas.microsoft.com/office/drawing/2010/main" val="0"/>
@@ -12620,7 +12754,7 @@
           <p:nvPr/>
         </p:nvPicPr>
         <p:blipFill>
-          <a:blip r:embed="rId7"/>
+          <a:blip r:embed="rId6"/>
           <a:stretch>
             <a:fillRect/>
           </a:stretch>
@@ -12644,7 +12778,7 @@
           <p:nvPr/>
         </p:nvPicPr>
         <p:blipFill>
-          <a:blip r:embed="rId8"/>
+          <a:blip r:embed="rId7"/>
           <a:stretch>
             <a:fillRect/>
           </a:stretch>
@@ -12669,14 +12803,18 @@
   <p:clrMapOvr>
     <a:masterClrMapping/>
   </p:clrMapOvr>
-  <p:transition spd="med"/>
-  <p:timing>
-    <p:tnLst>
-      <p:par>
-        <p:cTn id="1" dur="indefinite" restart="never" nodeType="tmRoot"/>
-      </p:par>
-    </p:tnLst>
-  </p:timing>
+  <mc:AlternateContent xmlns:mc="http://schemas.openxmlformats.org/markup-compatibility/2006">
+    <mc:Choice xmlns:p159="http://schemas.microsoft.com/office/powerpoint/2015/09/main" Requires="p159">
+      <p:transition>
+        <p159:morph option="byChar"/>
+      </p:transition>
+    </mc:Choice>
+    <mc:Fallback>
+      <p:transition>
+        <p:fade/>
+      </p:transition>
+    </mc:Fallback>
+  </mc:AlternateContent>
 </p:sld>
 </file>
 
@@ -12713,10 +12851,10 @@
           <a:lstStyle/>
           <a:p>
             <a:r>
-              <a:rPr lang="en-US" altLang="ko-KR" dirty="0" smtClean="0"/>
+              <a:rPr lang="en-US" altLang="ko-KR" dirty="0"/>
               <a:t>Passive Filter Networks</a:t>
             </a:r>
-            <a:endParaRPr lang="ko-KR" altLang="en-US" dirty="0" smtClean="0"/>
+            <a:endParaRPr lang="ko-KR" altLang="en-US" dirty="0"/>
           </a:p>
         </p:txBody>
       </p:sp>
@@ -12745,7 +12883,7 @@
               <a:defRPr/>
             </a:pPr>
             <a:r>
-              <a:rPr lang="en-US" altLang="ko-KR" sz="2800" b="1" dirty="0" smtClean="0">
+              <a:rPr lang="en-US" altLang="ko-KR" sz="2800" b="1" dirty="0">
                 <a:solidFill>
                   <a:srgbClr val="A50021"/>
                 </a:solidFill>
@@ -12759,7 +12897,7 @@
               <a:defRPr/>
             </a:pPr>
             <a:r>
-              <a:rPr lang="en-US" altLang="ko-KR" b="1" dirty="0" smtClean="0">
+              <a:rPr lang="en-US" altLang="ko-KR" b="1" dirty="0">
                 <a:ea typeface="Arial Unicode MS" pitchFamily="50" charset="-127"/>
               </a:rPr>
               <a:t>voltage gain</a:t>
@@ -12777,7 +12915,7 @@
             <a:pPr>
               <a:defRPr/>
             </a:pPr>
-            <a:endParaRPr lang="en-US" altLang="ko-KR" dirty="0" smtClean="0">
+            <a:endParaRPr lang="en-US" altLang="ko-KR" dirty="0">
               <a:ea typeface="Arial Unicode MS" pitchFamily="50" charset="-127"/>
             </a:endParaRPr>
           </a:p>
@@ -12786,7 +12924,7 @@
               <a:defRPr/>
             </a:pPr>
             <a:r>
-              <a:rPr lang="en-US" altLang="ko-KR" b="1" dirty="0" smtClean="0">
+              <a:rPr lang="en-US" altLang="ko-KR" b="1" dirty="0">
                 <a:ea typeface="Arial Unicode MS" pitchFamily="50" charset="-127"/>
               </a:rPr>
               <a:t>Frequency transfer function</a:t>
@@ -12804,7 +12942,7 @@
             <a:pPr>
               <a:defRPr/>
             </a:pPr>
-            <a:endParaRPr lang="en-US" altLang="ko-KR" b="1" dirty="0" smtClean="0">
+            <a:endParaRPr lang="en-US" altLang="ko-KR" b="1" dirty="0">
               <a:ea typeface="Arial Unicode MS" pitchFamily="50" charset="-127"/>
             </a:endParaRPr>
           </a:p>
@@ -12820,7 +12958,7 @@
             <a:pPr>
               <a:defRPr/>
             </a:pPr>
-            <a:endParaRPr lang="en-US" altLang="ko-KR" b="1" dirty="0" smtClean="0">
+            <a:endParaRPr lang="en-US" altLang="ko-KR" b="1" dirty="0">
               <a:ea typeface="Arial Unicode MS" pitchFamily="50" charset="-127"/>
             </a:endParaRPr>
           </a:p>
@@ -12829,28 +12967,28 @@
               <a:defRPr/>
             </a:pPr>
             <a:r>
-              <a:rPr lang="en-US" altLang="ko-KR" b="1" dirty="0" smtClean="0">
+              <a:rPr lang="en-US" altLang="ko-KR" b="1" dirty="0">
                 <a:ea typeface="Arial Unicode MS" pitchFamily="50" charset="-127"/>
               </a:rPr>
               <a:t>Half-power frequency</a:t>
             </a:r>
             <a:br>
-              <a:rPr lang="en-US" altLang="ko-KR" b="1" dirty="0" smtClean="0">
+              <a:rPr lang="en-US" altLang="ko-KR" b="1" dirty="0">
                 <a:ea typeface="Arial Unicode MS" pitchFamily="50" charset="-127"/>
               </a:rPr>
             </a:br>
             <a:r>
-              <a:rPr lang="en-US" altLang="ko-KR" b="1" dirty="0" smtClean="0">
+              <a:rPr lang="en-US" altLang="ko-KR" b="1" dirty="0">
                 <a:ea typeface="Arial Unicode MS" pitchFamily="50" charset="-127"/>
               </a:rPr>
               <a:t>phase</a:t>
             </a:r>
             <a:br>
-              <a:rPr lang="en-US" altLang="ko-KR" b="1" dirty="0" smtClean="0">
+              <a:rPr lang="en-US" altLang="ko-KR" b="1" dirty="0">
                 <a:ea typeface="Arial Unicode MS" pitchFamily="50" charset="-127"/>
               </a:rPr>
             </a:br>
-            <a:endParaRPr lang="en-US" altLang="ko-KR" b="1" dirty="0" smtClean="0">
+            <a:endParaRPr lang="en-US" altLang="ko-KR" b="1" dirty="0">
               <a:ea typeface="Arial Unicode MS" pitchFamily="50" charset="-127"/>
             </a:endParaRPr>
           </a:p>
@@ -12878,12 +13016,12 @@
           <a:graphicData uri="http://schemas.openxmlformats.org/presentationml/2006/ole">
             <mc:AlternateContent xmlns:mc="http://schemas.openxmlformats.org/markup-compatibility/2006">
               <mc:Choice xmlns:v="urn:schemas-microsoft-com:vml" Requires="v">
-                <p:oleObj spid="_x0000_s56357" name="Equation" r:id="rId3" imgW="1854200" imgH="1409700" progId="Equation.DSMT4">
+                <p:oleObj name="Equation" r:id="rId2" imgW="1854200" imgH="1409700" progId="Equation.DSMT4">
                   <p:embed/>
                 </p:oleObj>
               </mc:Choice>
               <mc:Fallback>
-                <p:oleObj name="Equation" r:id="rId3" imgW="1854200" imgH="1409700" progId="Equation.DSMT4">
+                <p:oleObj name="Equation" r:id="rId2" imgW="1854200" imgH="1409700" progId="Equation.DSMT4">
                   <p:embed/>
                   <p:pic>
                     <p:nvPicPr>
@@ -12894,7 +13032,7 @@
                       <p:nvPr/>
                     </p:nvPicPr>
                     <p:blipFill>
-                      <a:blip r:embed="rId4">
+                      <a:blip r:embed="rId3">
                         <a:extLst>
                           <a:ext uri="{28A0092B-C50C-407E-A947-70E740481C1C}">
                             <a14:useLocalDpi xmlns:a14="http://schemas.microsoft.com/office/drawing/2010/main" val="0"/>
@@ -12967,12 +13105,12 @@
           <a:graphicData uri="http://schemas.openxmlformats.org/presentationml/2006/ole">
             <mc:AlternateContent xmlns:mc="http://schemas.openxmlformats.org/markup-compatibility/2006">
               <mc:Choice xmlns:v="urn:schemas-microsoft-com:vml" Requires="v">
-                <p:oleObj spid="_x0000_s56358" name="Equation" r:id="rId5" imgW="520248" imgH="177646" progId="Equation.DSMT4">
+                <p:oleObj name="Equation" r:id="rId4" imgW="520248" imgH="177646" progId="Equation.DSMT4">
                   <p:embed/>
                 </p:oleObj>
               </mc:Choice>
               <mc:Fallback>
-                <p:oleObj name="Equation" r:id="rId5" imgW="520248" imgH="177646" progId="Equation.DSMT4">
+                <p:oleObj name="Equation" r:id="rId4" imgW="520248" imgH="177646" progId="Equation.DSMT4">
                   <p:embed/>
                   <p:pic>
                     <p:nvPicPr>
@@ -12983,7 +13121,7 @@
                       <p:nvPr/>
                     </p:nvPicPr>
                     <p:blipFill>
-                      <a:blip r:embed="rId6">
+                      <a:blip r:embed="rId5">
                         <a:extLst>
                           <a:ext uri="{28A0092B-C50C-407E-A947-70E740481C1C}">
                             <a14:useLocalDpi xmlns:a14="http://schemas.microsoft.com/office/drawing/2010/main" val="0"/>
@@ -13037,12 +13175,12 @@
           <a:graphicData uri="http://schemas.openxmlformats.org/presentationml/2006/ole">
             <mc:AlternateContent xmlns:mc="http://schemas.openxmlformats.org/markup-compatibility/2006">
               <mc:Choice xmlns:v="urn:schemas-microsoft-com:vml" Requires="v">
-                <p:oleObj spid="_x0000_s56359" name="Equation" r:id="rId7" imgW="241195" imgH="203112" progId="Equation.DSMT4">
+                <p:oleObj name="Equation" r:id="rId6" imgW="241195" imgH="203112" progId="Equation.DSMT4">
                   <p:embed/>
                 </p:oleObj>
               </mc:Choice>
               <mc:Fallback>
-                <p:oleObj name="Equation" r:id="rId7" imgW="241195" imgH="203112" progId="Equation.DSMT4">
+                <p:oleObj name="Equation" r:id="rId6" imgW="241195" imgH="203112" progId="Equation.DSMT4">
                   <p:embed/>
                   <p:pic>
                     <p:nvPicPr>
@@ -13053,7 +13191,7 @@
                       <p:nvPr/>
                     </p:nvPicPr>
                     <p:blipFill>
-                      <a:blip r:embed="rId8">
+                      <a:blip r:embed="rId7">
                         <a:extLst>
                           <a:ext uri="{28A0092B-C50C-407E-A947-70E740481C1C}">
                             <a14:useLocalDpi xmlns:a14="http://schemas.microsoft.com/office/drawing/2010/main" val="0"/>
@@ -13094,7 +13232,7 @@
           <p:nvPr/>
         </p:nvPicPr>
         <p:blipFill>
-          <a:blip r:embed="rId9"/>
+          <a:blip r:embed="rId8"/>
           <a:stretch>
             <a:fillRect/>
           </a:stretch>
@@ -13118,7 +13256,7 @@
           <p:nvPr/>
         </p:nvPicPr>
         <p:blipFill>
-          <a:blip r:embed="rId10"/>
+          <a:blip r:embed="rId9"/>
           <a:stretch>
             <a:fillRect/>
           </a:stretch>
@@ -13143,14 +13281,18 @@
   <p:clrMapOvr>
     <a:masterClrMapping/>
   </p:clrMapOvr>
-  <p:transition spd="med"/>
-  <p:timing>
-    <p:tnLst>
-      <p:par>
-        <p:cTn id="1" dur="indefinite" restart="never" nodeType="tmRoot"/>
-      </p:par>
-    </p:tnLst>
-  </p:timing>
+  <mc:AlternateContent xmlns:mc="http://schemas.openxmlformats.org/markup-compatibility/2006">
+    <mc:Choice xmlns:p159="http://schemas.microsoft.com/office/powerpoint/2015/09/main" Requires="p159">
+      <p:transition>
+        <p159:morph option="byChar"/>
+      </p:transition>
+    </mc:Choice>
+    <mc:Fallback>
+      <p:transition>
+        <p:fade/>
+      </p:transition>
+    </mc:Fallback>
+  </mc:AlternateContent>
 </p:sld>
 </file>
 
@@ -13187,10 +13329,10 @@
           <a:lstStyle/>
           <a:p>
             <a:r>
-              <a:rPr lang="en-US" altLang="ko-KR" dirty="0" smtClean="0"/>
+              <a:rPr lang="en-US" altLang="ko-KR" dirty="0"/>
               <a:t>Passive Filter Networks</a:t>
             </a:r>
-            <a:endParaRPr lang="ko-KR" altLang="en-US" dirty="0" smtClean="0"/>
+            <a:endParaRPr lang="ko-KR" altLang="en-US" dirty="0"/>
           </a:p>
         </p:txBody>
       </p:sp>
@@ -13222,29 +13364,14 @@
               <a:defRPr/>
             </a:pPr>
             <a:r>
-              <a:rPr lang="en-US" altLang="ko-KR" sz="2800" b="1" dirty="0" smtClean="0">
+              <a:rPr lang="en-US" altLang="ko-KR" sz="2800" b="1" dirty="0">
                 <a:solidFill>
                   <a:srgbClr val="A50021"/>
                 </a:solidFill>
                 <a:ea typeface="Arial Unicode MS" pitchFamily="50" charset="-127"/>
               </a:rPr>
-              <a:t>Band-pass </a:t>
-            </a:r>
-            <a:r>
-              <a:rPr lang="en-US" altLang="ko-KR" sz="2800" b="1" dirty="0" smtClean="0">
-                <a:solidFill>
-                  <a:srgbClr val="A50021"/>
-                </a:solidFill>
-                <a:ea typeface="Arial Unicode MS" pitchFamily="50" charset="-127"/>
-              </a:rPr>
-              <a:t>filter, Band-elimination filter </a:t>
-            </a:r>
-            <a:endParaRPr lang="en-US" altLang="ko-KR" sz="2800" b="1" dirty="0" smtClean="0">
-              <a:solidFill>
-                <a:srgbClr val="A50021"/>
-              </a:solidFill>
-              <a:ea typeface="Arial Unicode MS" pitchFamily="50" charset="-127"/>
-            </a:endParaRPr>
+              <a:t>Band-pass filter, Band-elimination filter </a:t>
+            </a:r>
           </a:p>
           <a:p>
             <a:pPr>
@@ -13254,7 +13381,7 @@
               <a:defRPr/>
             </a:pPr>
             <a:r>
-              <a:rPr lang="en-US" altLang="ko-KR" b="1" dirty="0" smtClean="0">
+              <a:rPr lang="en-US" altLang="ko-KR" b="1" dirty="0">
                 <a:ea typeface="Arial Unicode MS" pitchFamily="50" charset="-127"/>
               </a:rPr>
               <a:t>Transfer function</a:t>
@@ -13278,46 +13405,7 @@
               </a:spcAft>
               <a:defRPr/>
             </a:pPr>
-            <a:endParaRPr lang="en-US" altLang="ko-KR" b="1" dirty="0" smtClean="0">
-              <a:ea typeface="Arial Unicode MS" pitchFamily="50" charset="-127"/>
-            </a:endParaRPr>
-          </a:p>
-          <a:p>
-            <a:pPr>
-              <a:spcAft>
-                <a:spcPts val="0"/>
-              </a:spcAft>
-              <a:defRPr/>
-            </a:pPr>
-            <a:endParaRPr lang="en-US" altLang="ko-KR" b="1" dirty="0" smtClean="0">
-              <a:ea typeface="Arial Unicode MS" pitchFamily="50" charset="-127"/>
-            </a:endParaRPr>
-          </a:p>
-          <a:p>
-            <a:pPr>
-              <a:spcAft>
-                <a:spcPts val="0"/>
-              </a:spcAft>
-              <a:defRPr/>
-            </a:pPr>
-            <a:r>
-              <a:rPr lang="en-US" altLang="ko-KR" b="1" dirty="0" smtClean="0">
-                <a:ea typeface="Arial Unicode MS" pitchFamily="50" charset="-127"/>
-              </a:rPr>
-              <a:t>Bandwidth</a:t>
-            </a:r>
             <a:endParaRPr lang="en-US" altLang="ko-KR" b="1" dirty="0">
-              <a:ea typeface="Arial Unicode MS" pitchFamily="50" charset="-127"/>
-            </a:endParaRPr>
-          </a:p>
-          <a:p>
-            <a:pPr>
-              <a:spcAft>
-                <a:spcPts val="0"/>
-              </a:spcAft>
-              <a:defRPr/>
-            </a:pPr>
-            <a:endParaRPr lang="en-US" altLang="ko-KR" b="1" dirty="0" smtClean="0">
               <a:ea typeface="Arial Unicode MS" pitchFamily="50" charset="-127"/>
             </a:endParaRPr>
           </a:p>
@@ -13339,9 +13427,12 @@
               </a:spcAft>
               <a:defRPr/>
             </a:pPr>
-            <a:endParaRPr lang="en-US" altLang="ko-KR" b="1" dirty="0" smtClean="0">
-              <a:ea typeface="Arial Unicode MS" pitchFamily="50" charset="-127"/>
-            </a:endParaRPr>
+            <a:r>
+              <a:rPr lang="en-US" altLang="ko-KR" b="1" dirty="0">
+                <a:ea typeface="Arial Unicode MS" pitchFamily="50" charset="-127"/>
+              </a:rPr>
+              <a:t>Bandwidth</a:t>
+            </a:r>
           </a:p>
           <a:p>
             <a:pPr>
@@ -13361,7 +13452,7 @@
               </a:spcAft>
               <a:defRPr/>
             </a:pPr>
-            <a:endParaRPr lang="en-US" altLang="ko-KR" b="1" dirty="0" smtClean="0">
+            <a:endParaRPr lang="en-US" altLang="ko-KR" b="1" dirty="0">
               <a:ea typeface="Arial Unicode MS" pitchFamily="50" charset="-127"/>
             </a:endParaRPr>
           </a:p>
@@ -13372,8 +13463,41 @@
               </a:spcAft>
               <a:defRPr/>
             </a:pPr>
-            <a:r>
-              <a:rPr lang="en-US" altLang="ko-KR" b="1" dirty="0" smtClean="0">
+            <a:endParaRPr lang="en-US" altLang="ko-KR" b="1" dirty="0">
+              <a:ea typeface="Arial Unicode MS" pitchFamily="50" charset="-127"/>
+            </a:endParaRPr>
+          </a:p>
+          <a:p>
+            <a:pPr>
+              <a:spcAft>
+                <a:spcPts val="0"/>
+              </a:spcAft>
+              <a:defRPr/>
+            </a:pPr>
+            <a:endParaRPr lang="en-US" altLang="ko-KR" b="1" dirty="0">
+              <a:ea typeface="Arial Unicode MS" pitchFamily="50" charset="-127"/>
+            </a:endParaRPr>
+          </a:p>
+          <a:p>
+            <a:pPr>
+              <a:spcAft>
+                <a:spcPts val="0"/>
+              </a:spcAft>
+              <a:defRPr/>
+            </a:pPr>
+            <a:endParaRPr lang="en-US" altLang="ko-KR" b="1" dirty="0">
+              <a:ea typeface="Arial Unicode MS" pitchFamily="50" charset="-127"/>
+            </a:endParaRPr>
+          </a:p>
+          <a:p>
+            <a:pPr>
+              <a:spcAft>
+                <a:spcPts val="0"/>
+              </a:spcAft>
+              <a:defRPr/>
+            </a:pPr>
+            <a:r>
+              <a:rPr lang="en-US" altLang="ko-KR" b="1" dirty="0">
                 <a:ea typeface="Arial Unicode MS" pitchFamily="50" charset="-127"/>
               </a:rPr>
               <a:t>center frequency</a:t>
@@ -13387,7 +13511,7 @@
               <a:buNone/>
               <a:defRPr/>
             </a:pPr>
-            <a:endParaRPr lang="en-US" altLang="ko-KR" b="1" dirty="0" smtClean="0">
+            <a:endParaRPr lang="en-US" altLang="ko-KR" b="1" dirty="0">
               <a:ea typeface="Arial Unicode MS" pitchFamily="50" charset="-127"/>
             </a:endParaRPr>
           </a:p>
@@ -13415,12 +13539,12 @@
           <a:graphicData uri="http://schemas.openxmlformats.org/presentationml/2006/ole">
             <mc:AlternateContent xmlns:mc="http://schemas.openxmlformats.org/markup-compatibility/2006">
               <mc:Choice xmlns:v="urn:schemas-microsoft-com:vml" Requires="v">
-                <p:oleObj spid="_x0000_s57412" name="Equation" r:id="rId3" imgW="1016000" imgH="228600" progId="Equation.DSMT4">
+                <p:oleObj name="Equation" r:id="rId2" imgW="1016000" imgH="228600" progId="Equation.DSMT4">
                   <p:embed/>
                 </p:oleObj>
               </mc:Choice>
               <mc:Fallback>
-                <p:oleObj name="Equation" r:id="rId3" imgW="1016000" imgH="228600" progId="Equation.DSMT4">
+                <p:oleObj name="Equation" r:id="rId2" imgW="1016000" imgH="228600" progId="Equation.DSMT4">
                   <p:embed/>
                   <p:pic>
                     <p:nvPicPr>
@@ -13431,7 +13555,7 @@
                       <p:nvPr/>
                     </p:nvPicPr>
                     <p:blipFill>
-                      <a:blip r:embed="rId4">
+                      <a:blip r:embed="rId3">
                         <a:extLst>
                           <a:ext uri="{28A0092B-C50C-407E-A947-70E740481C1C}">
                             <a14:useLocalDpi xmlns:a14="http://schemas.microsoft.com/office/drawing/2010/main" val="0"/>
@@ -13504,12 +13628,12 @@
           <a:graphicData uri="http://schemas.openxmlformats.org/presentationml/2006/ole">
             <mc:AlternateContent xmlns:mc="http://schemas.openxmlformats.org/markup-compatibility/2006">
               <mc:Choice xmlns:v="urn:schemas-microsoft-com:vml" Requires="v">
-                <p:oleObj spid="_x0000_s57413" name="Equation" r:id="rId5" imgW="2209800" imgH="508000" progId="Equation.DSMT4">
+                <p:oleObj name="Equation" r:id="rId4" imgW="2209800" imgH="508000" progId="Equation.DSMT4">
                   <p:embed/>
                 </p:oleObj>
               </mc:Choice>
               <mc:Fallback>
-                <p:oleObj name="Equation" r:id="rId5" imgW="2209800" imgH="508000" progId="Equation.DSMT4">
+                <p:oleObj name="Equation" r:id="rId4" imgW="2209800" imgH="508000" progId="Equation.DSMT4">
                   <p:embed/>
                   <p:pic>
                     <p:nvPicPr>
@@ -13520,7 +13644,7 @@
                       <p:nvPr/>
                     </p:nvPicPr>
                     <p:blipFill>
-                      <a:blip r:embed="rId6">
+                      <a:blip r:embed="rId5">
                         <a:extLst>
                           <a:ext uri="{28A0092B-C50C-407E-A947-70E740481C1C}">
                             <a14:useLocalDpi xmlns:a14="http://schemas.microsoft.com/office/drawing/2010/main" val="0"/>
@@ -13593,12 +13717,12 @@
           <a:graphicData uri="http://schemas.openxmlformats.org/presentationml/2006/ole">
             <mc:AlternateContent xmlns:mc="http://schemas.openxmlformats.org/markup-compatibility/2006">
               <mc:Choice xmlns:v="urn:schemas-microsoft-com:vml" Requires="v">
-                <p:oleObj spid="_x0000_s57414" name="Equation" r:id="rId7" imgW="2286000" imgH="1066680" progId="Equation.DSMT4">
+                <p:oleObj name="Equation" r:id="rId6" imgW="2286000" imgH="1066680" progId="Equation.DSMT4">
                   <p:embed/>
                 </p:oleObj>
               </mc:Choice>
               <mc:Fallback>
-                <p:oleObj name="Equation" r:id="rId7" imgW="2286000" imgH="1066680" progId="Equation.DSMT4">
+                <p:oleObj name="Equation" r:id="rId6" imgW="2286000" imgH="1066680" progId="Equation.DSMT4">
                   <p:embed/>
                   <p:pic>
                     <p:nvPicPr>
@@ -13609,7 +13733,7 @@
                       <p:nvPr/>
                     </p:nvPicPr>
                     <p:blipFill>
-                      <a:blip r:embed="rId8">
+                      <a:blip r:embed="rId7">
                         <a:extLst>
                           <a:ext uri="{28A0092B-C50C-407E-A947-70E740481C1C}">
                             <a14:useLocalDpi xmlns:a14="http://schemas.microsoft.com/office/drawing/2010/main" val="0"/>
@@ -13682,12 +13806,12 @@
           <a:graphicData uri="http://schemas.openxmlformats.org/presentationml/2006/ole">
             <mc:AlternateContent xmlns:mc="http://schemas.openxmlformats.org/markup-compatibility/2006">
               <mc:Choice xmlns:v="urn:schemas-microsoft-com:vml" Requires="v">
-                <p:oleObj spid="_x0000_s57415" name="Equation" r:id="rId9" imgW="2209800" imgH="508000" progId="Equation.DSMT4">
+                <p:oleObj name="Equation" r:id="rId8" imgW="2209800" imgH="508000" progId="Equation.DSMT4">
                   <p:embed/>
                 </p:oleObj>
               </mc:Choice>
               <mc:Fallback>
-                <p:oleObj name="Equation" r:id="rId9" imgW="2209800" imgH="508000" progId="Equation.DSMT4">
+                <p:oleObj name="Equation" r:id="rId8" imgW="2209800" imgH="508000" progId="Equation.DSMT4">
                   <p:embed/>
                   <p:pic>
                     <p:nvPicPr>
@@ -13698,7 +13822,7 @@
                       <p:nvPr/>
                     </p:nvPicPr>
                     <p:blipFill>
-                      <a:blip r:embed="rId10">
+                      <a:blip r:embed="rId9">
                         <a:extLst>
                           <a:ext uri="{28A0092B-C50C-407E-A947-70E740481C1C}">
                             <a14:useLocalDpi xmlns:a14="http://schemas.microsoft.com/office/drawing/2010/main" val="0"/>
@@ -13771,12 +13895,12 @@
           <a:graphicData uri="http://schemas.openxmlformats.org/presentationml/2006/ole">
             <mc:AlternateContent xmlns:mc="http://schemas.openxmlformats.org/markup-compatibility/2006">
               <mc:Choice xmlns:v="urn:schemas-microsoft-com:vml" Requires="v">
-                <p:oleObj spid="_x0000_s57416" name="Equation" r:id="rId11" imgW="1688367" imgH="444307" progId="Equation.DSMT4">
+                <p:oleObj name="Equation" r:id="rId10" imgW="1688367" imgH="444307" progId="Equation.DSMT4">
                   <p:embed/>
                 </p:oleObj>
               </mc:Choice>
               <mc:Fallback>
-                <p:oleObj name="Equation" r:id="rId11" imgW="1688367" imgH="444307" progId="Equation.DSMT4">
+                <p:oleObj name="Equation" r:id="rId10" imgW="1688367" imgH="444307" progId="Equation.DSMT4">
                   <p:embed/>
                   <p:pic>
                     <p:nvPicPr>
@@ -13787,7 +13911,7 @@
                       <p:nvPr/>
                     </p:nvPicPr>
                     <p:blipFill>
-                      <a:blip r:embed="rId12">
+                      <a:blip r:embed="rId11">
                         <a:extLst>
                           <a:ext uri="{28A0092B-C50C-407E-A947-70E740481C1C}">
                             <a14:useLocalDpi xmlns:a14="http://schemas.microsoft.com/office/drawing/2010/main" val="0"/>
@@ -13860,12 +13984,12 @@
           <a:graphicData uri="http://schemas.openxmlformats.org/presentationml/2006/ole">
             <mc:AlternateContent xmlns:mc="http://schemas.openxmlformats.org/markup-compatibility/2006">
               <mc:Choice xmlns:v="urn:schemas-microsoft-com:vml" Requires="v">
-                <p:oleObj spid="_x0000_s57417" name="Equation" r:id="rId13" imgW="1548728" imgH="812447" progId="Equation.DSMT4">
+                <p:oleObj name="Equation" r:id="rId12" imgW="1548728" imgH="812447" progId="Equation.DSMT4">
                   <p:embed/>
                 </p:oleObj>
               </mc:Choice>
               <mc:Fallback>
-                <p:oleObj name="Equation" r:id="rId13" imgW="1548728" imgH="812447" progId="Equation.DSMT4">
+                <p:oleObj name="Equation" r:id="rId12" imgW="1548728" imgH="812447" progId="Equation.DSMT4">
                   <p:embed/>
                   <p:pic>
                     <p:nvPicPr>
@@ -13876,7 +14000,7 @@
                       <p:nvPr/>
                     </p:nvPicPr>
                     <p:blipFill>
-                      <a:blip r:embed="rId14">
+                      <a:blip r:embed="rId13">
                         <a:extLst>
                           <a:ext uri="{28A0092B-C50C-407E-A947-70E740481C1C}">
                             <a14:useLocalDpi xmlns:a14="http://schemas.microsoft.com/office/drawing/2010/main" val="0"/>
@@ -13917,7 +14041,7 @@
           <p:nvPr/>
         </p:nvPicPr>
         <p:blipFill>
-          <a:blip r:embed="rId15"/>
+          <a:blip r:embed="rId14"/>
           <a:stretch>
             <a:fillRect/>
           </a:stretch>
@@ -13942,14 +14066,18 @@
   <p:clrMapOvr>
     <a:masterClrMapping/>
   </p:clrMapOvr>
-  <p:transition spd="med"/>
-  <p:timing>
-    <p:tnLst>
-      <p:par>
-        <p:cTn id="1" dur="indefinite" restart="never" nodeType="tmRoot"/>
-      </p:par>
-    </p:tnLst>
-  </p:timing>
+  <mc:AlternateContent xmlns:mc="http://schemas.openxmlformats.org/markup-compatibility/2006">
+    <mc:Choice xmlns:p159="http://schemas.microsoft.com/office/powerpoint/2015/09/main" Requires="p159">
+      <p:transition>
+        <p159:morph option="byChar"/>
+      </p:transition>
+    </mc:Choice>
+    <mc:Fallback>
+      <p:transition>
+        <p:fade/>
+      </p:transition>
+    </mc:Fallback>
+  </mc:AlternateContent>
 </p:sld>
 </file>
 
@@ -13986,10 +14114,10 @@
           <a:lstStyle/>
           <a:p>
             <a:r>
-              <a:rPr lang="en-US" altLang="ko-KR" dirty="0" smtClean="0"/>
+              <a:rPr lang="en-US" altLang="ko-KR" dirty="0"/>
               <a:t>Passive Filter Networks</a:t>
             </a:r>
-            <a:endParaRPr lang="ko-KR" altLang="en-US" dirty="0" smtClean="0"/>
+            <a:endParaRPr lang="ko-KR" altLang="en-US" dirty="0"/>
           </a:p>
         </p:txBody>
       </p:sp>
@@ -14018,7 +14146,7 @@
               <a:defRPr/>
             </a:pPr>
             <a:r>
-              <a:rPr lang="en-US" altLang="ko-KR" sz="3200" b="1" dirty="0" smtClean="0">
+              <a:rPr lang="en-US" altLang="ko-KR" sz="3200" b="1" dirty="0">
                 <a:solidFill>
                   <a:srgbClr val="A50021"/>
                 </a:solidFill>
@@ -14032,7 +14160,7 @@
               <a:defRPr/>
             </a:pPr>
             <a:r>
-              <a:rPr lang="en-US" altLang="ko-KR" b="1" dirty="0" smtClean="0">
+              <a:rPr lang="en-US" altLang="ko-KR" b="1" dirty="0">
                 <a:ea typeface="Arial Unicode MS" pitchFamily="50" charset="-127"/>
               </a:rPr>
               <a:t>center freq.</a:t>
@@ -14051,46 +14179,11 @@
               <a:defRPr/>
             </a:pPr>
             <a:r>
-              <a:rPr lang="en-US" altLang="ko-KR" b="1" dirty="0" smtClean="0">
+              <a:rPr lang="en-US" altLang="ko-KR" b="1" dirty="0">
                 <a:ea typeface="Arial Unicode MS" pitchFamily="50" charset="-127"/>
               </a:rPr>
               <a:t>lower freq.</a:t>
             </a:r>
-          </a:p>
-          <a:p>
-            <a:pPr>
-              <a:defRPr/>
-            </a:pPr>
-            <a:endParaRPr lang="en-US" altLang="ko-KR" b="1" dirty="0" smtClean="0">
-              <a:ea typeface="Arial Unicode MS" pitchFamily="50" charset="-127"/>
-            </a:endParaRPr>
-          </a:p>
-          <a:p>
-            <a:pPr>
-              <a:defRPr/>
-            </a:pPr>
-            <a:endParaRPr lang="en-US" altLang="ko-KR" b="1" dirty="0" smtClean="0">
-              <a:ea typeface="Arial Unicode MS" pitchFamily="50" charset="-127"/>
-            </a:endParaRPr>
-          </a:p>
-          <a:p>
-            <a:pPr>
-              <a:defRPr/>
-            </a:pPr>
-            <a:r>
-              <a:rPr lang="en-US" altLang="ko-KR" b="1" dirty="0" smtClean="0">
-                <a:ea typeface="Arial Unicode MS" pitchFamily="50" charset="-127"/>
-              </a:rPr>
-              <a:t>higher freq.  </a:t>
-            </a:r>
-          </a:p>
-          <a:p>
-            <a:pPr>
-              <a:defRPr/>
-            </a:pPr>
-            <a:endParaRPr lang="en-US" altLang="ko-KR" b="1" dirty="0" smtClean="0">
-              <a:ea typeface="Arial Unicode MS" pitchFamily="50" charset="-127"/>
-            </a:endParaRPr>
           </a:p>
           <a:p>
             <a:pPr>
@@ -14104,15 +14197,47 @@
             <a:pPr>
               <a:defRPr/>
             </a:pPr>
-            <a:r>
-              <a:rPr lang="en-US" altLang="ko-KR" b="1" dirty="0" smtClean="0">
+            <a:endParaRPr lang="en-US" altLang="ko-KR" b="1" dirty="0">
+              <a:ea typeface="Arial Unicode MS" pitchFamily="50" charset="-127"/>
+            </a:endParaRPr>
+          </a:p>
+          <a:p>
+            <a:pPr>
+              <a:defRPr/>
+            </a:pPr>
+            <a:r>
+              <a:rPr lang="en-US" altLang="ko-KR" b="1" dirty="0">
+                <a:ea typeface="Arial Unicode MS" pitchFamily="50" charset="-127"/>
+              </a:rPr>
+              <a:t>higher freq.  </a:t>
+            </a:r>
+          </a:p>
+          <a:p>
+            <a:pPr>
+              <a:defRPr/>
+            </a:pPr>
+            <a:endParaRPr lang="en-US" altLang="ko-KR" b="1" dirty="0">
+              <a:ea typeface="Arial Unicode MS" pitchFamily="50" charset="-127"/>
+            </a:endParaRPr>
+          </a:p>
+          <a:p>
+            <a:pPr>
+              <a:defRPr/>
+            </a:pPr>
+            <a:endParaRPr lang="en-US" altLang="ko-KR" b="1" dirty="0">
+              <a:ea typeface="Arial Unicode MS" pitchFamily="50" charset="-127"/>
+            </a:endParaRPr>
+          </a:p>
+          <a:p>
+            <a:pPr>
+              <a:defRPr/>
+            </a:pPr>
+            <a:r>
+              <a:rPr lang="en-US" altLang="ko-KR" b="1" dirty="0">
                 <a:ea typeface="Arial Unicode MS" pitchFamily="50" charset="-127"/>
               </a:rPr>
               <a:t>Bandwidth  </a:t>
             </a:r>
-            <a:endParaRPr lang="en-US" altLang="ko-KR" b="1" dirty="0">
-              <a:ea typeface="Arial Unicode MS" pitchFamily="50" charset="-127"/>
-            </a:endParaRPr>
           </a:p>
           <a:p>
             <a:pPr marL="57150" indent="0">
@@ -14122,7 +14247,7 @@
               <a:buNone/>
               <a:defRPr/>
             </a:pPr>
-            <a:endParaRPr lang="en-US" altLang="ko-KR" b="1" dirty="0" smtClean="0">
+            <a:endParaRPr lang="en-US" altLang="ko-KR" b="1" dirty="0">
               <a:ea typeface="Arial Unicode MS" pitchFamily="50" charset="-127"/>
             </a:endParaRPr>
           </a:p>
@@ -14150,12 +14275,12 @@
           <a:graphicData uri="http://schemas.openxmlformats.org/presentationml/2006/ole">
             <mc:AlternateContent xmlns:mc="http://schemas.openxmlformats.org/markup-compatibility/2006">
               <mc:Choice xmlns:v="urn:schemas-microsoft-com:vml" Requires="v">
-                <p:oleObj spid="_x0000_s58402" name="Equation" r:id="rId3" imgW="2070100" imgH="444500" progId="Equation.DSMT4">
+                <p:oleObj name="Equation" r:id="rId2" imgW="2070100" imgH="444500" progId="Equation.DSMT4">
                   <p:embed/>
                 </p:oleObj>
               </mc:Choice>
               <mc:Fallback>
-                <p:oleObj name="Equation" r:id="rId3" imgW="2070100" imgH="444500" progId="Equation.DSMT4">
+                <p:oleObj name="Equation" r:id="rId2" imgW="2070100" imgH="444500" progId="Equation.DSMT4">
                   <p:embed/>
                   <p:pic>
                     <p:nvPicPr>
@@ -14166,7 +14291,7 @@
                       <p:nvPr/>
                     </p:nvPicPr>
                     <p:blipFill>
-                      <a:blip r:embed="rId4">
+                      <a:blip r:embed="rId3">
                         <a:extLst>
                           <a:ext uri="{28A0092B-C50C-407E-A947-70E740481C1C}">
                             <a14:useLocalDpi xmlns:a14="http://schemas.microsoft.com/office/drawing/2010/main" val="0"/>
@@ -14239,12 +14364,12 @@
           <a:graphicData uri="http://schemas.openxmlformats.org/presentationml/2006/ole">
             <mc:AlternateContent xmlns:mc="http://schemas.openxmlformats.org/markup-compatibility/2006">
               <mc:Choice xmlns:v="urn:schemas-microsoft-com:vml" Requires="v">
-                <p:oleObj spid="_x0000_s58403" name="Equation" r:id="rId5" imgW="3022600" imgH="508000" progId="Equation.DSMT4">
+                <p:oleObj name="Equation" r:id="rId4" imgW="3022600" imgH="508000" progId="Equation.DSMT4">
                   <p:embed/>
                 </p:oleObj>
               </mc:Choice>
               <mc:Fallback>
-                <p:oleObj name="Equation" r:id="rId5" imgW="3022600" imgH="508000" progId="Equation.DSMT4">
+                <p:oleObj name="Equation" r:id="rId4" imgW="3022600" imgH="508000" progId="Equation.DSMT4">
                   <p:embed/>
                   <p:pic>
                     <p:nvPicPr>
@@ -14255,7 +14380,7 @@
                       <p:nvPr/>
                     </p:nvPicPr>
                     <p:blipFill>
-                      <a:blip r:embed="rId6">
+                      <a:blip r:embed="rId5">
                         <a:extLst>
                           <a:ext uri="{28A0092B-C50C-407E-A947-70E740481C1C}">
                             <a14:useLocalDpi xmlns:a14="http://schemas.microsoft.com/office/drawing/2010/main" val="0"/>
@@ -14328,12 +14453,12 @@
           <a:graphicData uri="http://schemas.openxmlformats.org/presentationml/2006/ole">
             <mc:AlternateContent xmlns:mc="http://schemas.openxmlformats.org/markup-compatibility/2006">
               <mc:Choice xmlns:v="urn:schemas-microsoft-com:vml" Requires="v">
-                <p:oleObj spid="_x0000_s58404" name="Equation" r:id="rId7" imgW="3073400" imgH="508000" progId="Equation.DSMT4">
+                <p:oleObj name="Equation" r:id="rId6" imgW="3073400" imgH="508000" progId="Equation.DSMT4">
                   <p:embed/>
                 </p:oleObj>
               </mc:Choice>
               <mc:Fallback>
-                <p:oleObj name="Equation" r:id="rId7" imgW="3073400" imgH="508000" progId="Equation.DSMT4">
+                <p:oleObj name="Equation" r:id="rId6" imgW="3073400" imgH="508000" progId="Equation.DSMT4">
                   <p:embed/>
                   <p:pic>
                     <p:nvPicPr>
@@ -14344,7 +14469,7 @@
                       <p:nvPr/>
                     </p:nvPicPr>
                     <p:blipFill>
-                      <a:blip r:embed="rId8">
+                      <a:blip r:embed="rId7">
                         <a:extLst>
                           <a:ext uri="{28A0092B-C50C-407E-A947-70E740481C1C}">
                             <a14:useLocalDpi xmlns:a14="http://schemas.microsoft.com/office/drawing/2010/main" val="0"/>
@@ -14417,12 +14542,12 @@
           <a:graphicData uri="http://schemas.openxmlformats.org/presentationml/2006/ole">
             <mc:AlternateContent xmlns:mc="http://schemas.openxmlformats.org/markup-compatibility/2006">
               <mc:Choice xmlns:v="urn:schemas-microsoft-com:vml" Requires="v">
-                <p:oleObj spid="_x0000_s58405" name="Equation" r:id="rId9" imgW="2184400" imgH="393700" progId="Equation.DSMT4">
+                <p:oleObj name="Equation" r:id="rId8" imgW="2184400" imgH="393700" progId="Equation.DSMT4">
                   <p:embed/>
                 </p:oleObj>
               </mc:Choice>
               <mc:Fallback>
-                <p:oleObj name="Equation" r:id="rId9" imgW="2184400" imgH="393700" progId="Equation.DSMT4">
+                <p:oleObj name="Equation" r:id="rId8" imgW="2184400" imgH="393700" progId="Equation.DSMT4">
                   <p:embed/>
                   <p:pic>
                     <p:nvPicPr>
@@ -14433,7 +14558,7 @@
                       <p:nvPr/>
                     </p:nvPicPr>
                     <p:blipFill>
-                      <a:blip r:embed="rId10">
+                      <a:blip r:embed="rId9">
                         <a:extLst>
                           <a:ext uri="{28A0092B-C50C-407E-A947-70E740481C1C}">
                             <a14:useLocalDpi xmlns:a14="http://schemas.microsoft.com/office/drawing/2010/main" val="0"/>
@@ -14493,7 +14618,7 @@
           <p:nvPr/>
         </p:nvPicPr>
         <p:blipFill>
-          <a:blip r:embed="rId11"/>
+          <a:blip r:embed="rId10"/>
           <a:stretch>
             <a:fillRect/>
           </a:stretch>
@@ -14518,14 +14643,18 @@
   <p:clrMapOvr>
     <a:masterClrMapping/>
   </p:clrMapOvr>
-  <p:transition spd="med"/>
-  <p:timing>
-    <p:tnLst>
-      <p:par>
-        <p:cTn id="1" dur="indefinite" restart="never" nodeType="tmRoot"/>
-      </p:par>
-    </p:tnLst>
-  </p:timing>
+  <mc:AlternateContent xmlns:mc="http://schemas.openxmlformats.org/markup-compatibility/2006">
+    <mc:Choice xmlns:p159="http://schemas.microsoft.com/office/powerpoint/2015/09/main" Requires="p159">
+      <p:transition>
+        <p159:morph option="byChar"/>
+      </p:transition>
+    </mc:Choice>
+    <mc:Fallback>
+      <p:transition>
+        <p:fade/>
+      </p:transition>
+    </mc:Fallback>
+  </mc:AlternateContent>
 </p:sld>
 </file>
 
@@ -14562,10 +14691,10 @@
           <a:lstStyle/>
           <a:p>
             <a:r>
-              <a:rPr lang="en-US" altLang="ko-KR" dirty="0" smtClean="0"/>
+              <a:rPr lang="en-US" altLang="ko-KR" dirty="0"/>
               <a:t>Passive Filter Networks</a:t>
             </a:r>
-            <a:endParaRPr lang="ko-KR" altLang="en-US" dirty="0" smtClean="0"/>
+            <a:endParaRPr lang="ko-KR" altLang="en-US" dirty="0"/>
           </a:p>
         </p:txBody>
       </p:sp>
@@ -14594,7 +14723,7 @@
               <a:defRPr/>
             </a:pPr>
             <a:r>
-              <a:rPr lang="en-US" altLang="ko-KR" sz="3200" b="1" dirty="0" smtClean="0">
+              <a:rPr lang="en-US" altLang="ko-KR" sz="3200" b="1" dirty="0">
                 <a:solidFill>
                   <a:srgbClr val="A50021"/>
                 </a:solidFill>
@@ -14602,61 +14731,28 @@
               </a:rPr>
               <a:t>Example: notch filter</a:t>
             </a:r>
-            <a:endParaRPr lang="en-US" altLang="ko-KR" sz="3200" b="1" dirty="0" smtClean="0">
-              <a:solidFill>
-                <a:srgbClr val="A50021"/>
-              </a:solidFill>
-              <a:ea typeface="Arial Unicode MS" pitchFamily="50" charset="-127"/>
-            </a:endParaRPr>
           </a:p>
           <a:p>
             <a:pPr>
               <a:defRPr/>
             </a:pPr>
             <a:r>
-              <a:rPr lang="en-US" altLang="ko-KR" b="1" dirty="0" smtClean="0">
+              <a:rPr lang="en-US" altLang="ko-KR" b="1" dirty="0">
                 <a:ea typeface="Arial Unicode MS" pitchFamily="50" charset="-127"/>
               </a:rPr>
-              <a:t>We want </a:t>
-            </a:r>
-            <a:r>
-              <a:rPr lang="en-US" altLang="ko-KR" b="1" dirty="0" smtClean="0">
-                <a:ea typeface="Arial Unicode MS" pitchFamily="50" charset="-127"/>
-              </a:rPr>
-              <a:t>a </a:t>
-            </a:r>
-            <a:r>
-              <a:rPr lang="en-US" altLang="ko-KR" b="1" dirty="0" smtClean="0">
-                <a:ea typeface="Arial Unicode MS" pitchFamily="50" charset="-127"/>
-              </a:rPr>
-              <a:t>center </a:t>
-            </a:r>
-            <a:r>
-              <a:rPr lang="en-US" altLang="ko-KR" b="1" dirty="0" smtClean="0">
-                <a:ea typeface="Arial Unicode MS" pitchFamily="50" charset="-127"/>
-              </a:rPr>
-              <a:t>freq</a:t>
-            </a:r>
-            <a:r>
-              <a:rPr lang="en-US" altLang="ko-KR" b="1" dirty="0" smtClean="0">
-                <a:ea typeface="Arial Unicode MS" pitchFamily="50" charset="-127"/>
-              </a:rPr>
-              <a:t>. 60Hz or </a:t>
+              <a:t>We want a center freq. 60Hz or </a:t>
             </a:r>
             <a:br>
-              <a:rPr lang="en-US" altLang="ko-KR" b="1" dirty="0" smtClean="0">
+              <a:rPr lang="en-US" altLang="ko-KR" b="1" dirty="0">
                 <a:ea typeface="Arial Unicode MS" pitchFamily="50" charset="-127"/>
               </a:rPr>
             </a:br>
             <a:r>
-              <a:rPr lang="en-US" altLang="ko-KR" b="1" dirty="0" smtClean="0">
+              <a:rPr lang="en-US" altLang="ko-KR" b="1" dirty="0">
                 <a:ea typeface="Arial Unicode MS" pitchFamily="50" charset="-127"/>
               </a:rPr>
               <a:t>377rda/s</a:t>
             </a:r>
-            <a:endParaRPr lang="en-US" altLang="ko-KR" b="1" dirty="0" smtClean="0">
-              <a:ea typeface="Arial Unicode MS" pitchFamily="50" charset="-127"/>
-            </a:endParaRPr>
           </a:p>
           <a:p>
             <a:pPr>
@@ -14671,20 +14767,17 @@
               <a:defRPr/>
             </a:pPr>
             <a:r>
-              <a:rPr lang="en-US" altLang="ko-KR" b="1" dirty="0" smtClean="0">
+              <a:rPr lang="en-US" altLang="ko-KR" b="1" dirty="0">
                 <a:ea typeface="Arial Unicode MS" pitchFamily="50" charset="-127"/>
               </a:rPr>
               <a:t>If </a:t>
             </a:r>
-            <a:endParaRPr lang="en-US" altLang="ko-KR" b="1" dirty="0" smtClean="0">
-              <a:ea typeface="Arial Unicode MS" pitchFamily="50" charset="-127"/>
-            </a:endParaRPr>
           </a:p>
           <a:p>
             <a:pPr>
               <a:defRPr/>
             </a:pPr>
-            <a:endParaRPr lang="en-US" altLang="ko-KR" b="1" dirty="0" smtClean="0">
+            <a:endParaRPr lang="en-US" altLang="ko-KR" b="1" dirty="0">
               <a:ea typeface="Arial Unicode MS" pitchFamily="50" charset="-127"/>
             </a:endParaRPr>
           </a:p>
@@ -14692,7 +14785,7 @@
             <a:pPr>
               <a:defRPr/>
             </a:pPr>
-            <a:endParaRPr lang="en-US" altLang="ko-KR" b="1" dirty="0" smtClean="0">
+            <a:endParaRPr lang="en-US" altLang="ko-KR" b="1" dirty="0">
               <a:ea typeface="Arial Unicode MS" pitchFamily="50" charset="-127"/>
             </a:endParaRPr>
           </a:p>
@@ -14701,31 +14794,28 @@
               <a:defRPr/>
             </a:pPr>
             <a:r>
-              <a:rPr lang="en-US" altLang="ko-KR" b="1" dirty="0" smtClean="0">
+              <a:rPr lang="en-US" altLang="ko-KR" b="1" dirty="0">
                 <a:ea typeface="Arial Unicode MS" pitchFamily="50" charset="-127"/>
               </a:rPr>
               <a:t>If input consist of 60Hz and</a:t>
             </a:r>
             <a:br>
-              <a:rPr lang="en-US" altLang="ko-KR" b="1" dirty="0" smtClean="0">
+              <a:rPr lang="en-US" altLang="ko-KR" b="1" dirty="0">
                 <a:ea typeface="Arial Unicode MS" pitchFamily="50" charset="-127"/>
               </a:rPr>
             </a:br>
             <a:r>
-              <a:rPr lang="en-US" altLang="ko-KR" b="1" dirty="0" smtClean="0">
+              <a:rPr lang="en-US" altLang="ko-KR" b="1" dirty="0">
                 <a:ea typeface="Arial Unicode MS" pitchFamily="50" charset="-127"/>
               </a:rPr>
               <a:t>1000 Hz sinusoidal signal  </a:t>
             </a:r>
-            <a:endParaRPr lang="en-US" altLang="ko-KR" b="1" dirty="0" smtClean="0">
-              <a:ea typeface="Arial Unicode MS" pitchFamily="50" charset="-127"/>
-            </a:endParaRPr>
           </a:p>
           <a:p>
             <a:pPr>
               <a:defRPr/>
             </a:pPr>
-            <a:endParaRPr lang="en-US" altLang="ko-KR" b="1" dirty="0" smtClean="0">
+            <a:endParaRPr lang="en-US" altLang="ko-KR" b="1" dirty="0">
               <a:ea typeface="Arial Unicode MS" pitchFamily="50" charset="-127"/>
             </a:endParaRPr>
           </a:p>
@@ -14745,7 +14835,7 @@
               <a:buNone/>
               <a:defRPr/>
             </a:pPr>
-            <a:endParaRPr lang="en-US" altLang="ko-KR" b="1" dirty="0" smtClean="0">
+            <a:endParaRPr lang="en-US" altLang="ko-KR" b="1" dirty="0">
               <a:ea typeface="Arial Unicode MS" pitchFamily="50" charset="-127"/>
             </a:endParaRPr>
           </a:p>
@@ -14917,14 +15007,18 @@
   <p:clrMapOvr>
     <a:masterClrMapping/>
   </p:clrMapOvr>
-  <p:transition spd="med"/>
-  <p:timing>
-    <p:tnLst>
-      <p:par>
-        <p:cTn id="1" dur="indefinite" restart="never" nodeType="tmRoot"/>
-      </p:par>
-    </p:tnLst>
-  </p:timing>
+  <mc:AlternateContent xmlns:mc="http://schemas.openxmlformats.org/markup-compatibility/2006">
+    <mc:Choice xmlns:p159="http://schemas.microsoft.com/office/powerpoint/2015/09/main" Requires="p159">
+      <p:transition>
+        <p159:morph option="byChar"/>
+      </p:transition>
+    </mc:Choice>
+    <mc:Fallback>
+      <p:transition>
+        <p:fade/>
+      </p:transition>
+    </mc:Fallback>
+  </mc:AlternateContent>
 </p:sld>
 </file>
 
